--- a/Speedup_localisation.pptx
+++ b/Speedup_localisation.pptx
@@ -4,10 +4,14 @@
   <p:sldMasterIdLst>
     <p:sldMasterId id="2147483648" r:id="rId1"/>
   </p:sldMasterIdLst>
+  <p:notesMasterIdLst>
+    <p:notesMasterId r:id="rId6"/>
+  </p:notesMasterIdLst>
   <p:sldIdLst>
     <p:sldId id="256" r:id="rId2"/>
     <p:sldId id="257" r:id="rId3"/>
     <p:sldId id="258" r:id="rId4"/>
+    <p:sldId id="259" r:id="rId5"/>
   </p:sldIdLst>
   <p:sldSz cx="12192000" cy="6858000"/>
   <p:notesSz cx="6858000" cy="9144000"/>
@@ -106,7 +110,361 @@
       </a:defRPr>
     </a:lvl9pPr>
   </p:defaultTextStyle>
+  <p:extLst>
+    <p:ext uri="{EFAFB233-063F-42B5-8137-9DF3F51BA10A}">
+      <p15:sldGuideLst xmlns:p15="http://schemas.microsoft.com/office/powerpoint/2012/main"/>
+    </p:ext>
+  </p:extLst>
 </p:presentation>
+</file>
+
+<file path=ppt/notesMasters/notesMaster1.xml><?xml version="1.0" encoding="utf-8"?>
+<p:notesMaster xmlns:a="http://schemas.openxmlformats.org/drawingml/2006/main" xmlns:r="http://schemas.openxmlformats.org/officeDocument/2006/relationships" xmlns:p="http://schemas.openxmlformats.org/presentationml/2006/main">
+  <p:cSld>
+    <p:bg>
+      <p:bgRef idx="1001">
+        <a:schemeClr val="bg1"/>
+      </p:bgRef>
+    </p:bg>
+    <p:spTree>
+      <p:nvGrpSpPr>
+        <p:cNvPr id="1" name=""/>
+        <p:cNvGrpSpPr/>
+        <p:nvPr/>
+      </p:nvGrpSpPr>
+      <p:grpSpPr>
+        <a:xfrm>
+          <a:off x="0" y="0"/>
+          <a:ext cx="0" cy="0"/>
+          <a:chOff x="0" y="0"/>
+          <a:chExt cx="0" cy="0"/>
+        </a:xfrm>
+      </p:grpSpPr>
+      <p:sp>
+        <p:nvSpPr>
+          <p:cNvPr id="2" name="Header Placeholder 1"/>
+          <p:cNvSpPr>
+            <a:spLocks noGrp="1"/>
+          </p:cNvSpPr>
+          <p:nvPr>
+            <p:ph type="hdr" sz="quarter"/>
+          </p:nvPr>
+        </p:nvSpPr>
+        <p:spPr>
+          <a:xfrm>
+            <a:off x="0" y="0"/>
+            <a:ext cx="2971800" cy="458788"/>
+          </a:xfrm>
+          <a:prstGeom prst="rect">
+            <a:avLst/>
+          </a:prstGeom>
+        </p:spPr>
+        <p:txBody>
+          <a:bodyPr vert="horz" lIns="91440" tIns="45720" rIns="91440" bIns="45720" rtlCol="0"/>
+          <a:lstStyle>
+            <a:lvl1pPr algn="l">
+              <a:defRPr sz="1200"/>
+            </a:lvl1pPr>
+          </a:lstStyle>
+          <a:p>
+            <a:endParaRPr lang="en-US"/>
+          </a:p>
+        </p:txBody>
+      </p:sp>
+      <p:sp>
+        <p:nvSpPr>
+          <p:cNvPr id="3" name="Date Placeholder 2"/>
+          <p:cNvSpPr>
+            <a:spLocks noGrp="1"/>
+          </p:cNvSpPr>
+          <p:nvPr>
+            <p:ph type="dt" idx="1"/>
+          </p:nvPr>
+        </p:nvSpPr>
+        <p:spPr>
+          <a:xfrm>
+            <a:off x="3884613" y="0"/>
+            <a:ext cx="2971800" cy="458788"/>
+          </a:xfrm>
+          <a:prstGeom prst="rect">
+            <a:avLst/>
+          </a:prstGeom>
+        </p:spPr>
+        <p:txBody>
+          <a:bodyPr vert="horz" lIns="91440" tIns="45720" rIns="91440" bIns="45720" rtlCol="0"/>
+          <a:lstStyle>
+            <a:lvl1pPr algn="r">
+              <a:defRPr sz="1200"/>
+            </a:lvl1pPr>
+          </a:lstStyle>
+          <a:p>
+            <a:fld id="{3B3ECAD4-5B68-134F-BE39-A6695F613417}" type="datetimeFigureOut">
+              <a:rPr lang="en-US" smtClean="0"/>
+              <a:t>6/29/20</a:t>
+            </a:fld>
+            <a:endParaRPr lang="en-US"/>
+          </a:p>
+        </p:txBody>
+      </p:sp>
+      <p:sp>
+        <p:nvSpPr>
+          <p:cNvPr id="4" name="Slide Image Placeholder 3"/>
+          <p:cNvSpPr>
+            <a:spLocks noGrp="1" noRot="1" noChangeAspect="1"/>
+          </p:cNvSpPr>
+          <p:nvPr>
+            <p:ph type="sldImg" idx="2"/>
+          </p:nvPr>
+        </p:nvSpPr>
+        <p:spPr>
+          <a:xfrm>
+            <a:off x="685800" y="1143000"/>
+            <a:ext cx="5486400" cy="3086100"/>
+          </a:xfrm>
+          <a:prstGeom prst="rect">
+            <a:avLst/>
+          </a:prstGeom>
+          <a:noFill/>
+          <a:ln w="12700">
+            <a:solidFill>
+              <a:prstClr val="black"/>
+            </a:solidFill>
+          </a:ln>
+        </p:spPr>
+        <p:txBody>
+          <a:bodyPr vert="horz" lIns="91440" tIns="45720" rIns="91440" bIns="45720" rtlCol="0" anchor="ctr"/>
+          <a:lstStyle/>
+          <a:p>
+            <a:endParaRPr lang="en-US"/>
+          </a:p>
+        </p:txBody>
+      </p:sp>
+      <p:sp>
+        <p:nvSpPr>
+          <p:cNvPr id="5" name="Notes Placeholder 4"/>
+          <p:cNvSpPr>
+            <a:spLocks noGrp="1"/>
+          </p:cNvSpPr>
+          <p:nvPr>
+            <p:ph type="body" sz="quarter" idx="3"/>
+          </p:nvPr>
+        </p:nvSpPr>
+        <p:spPr>
+          <a:xfrm>
+            <a:off x="685800" y="4400550"/>
+            <a:ext cx="5486400" cy="3600450"/>
+          </a:xfrm>
+          <a:prstGeom prst="rect">
+            <a:avLst/>
+          </a:prstGeom>
+        </p:spPr>
+        <p:txBody>
+          <a:bodyPr vert="horz" lIns="91440" tIns="45720" rIns="91440" bIns="45720" rtlCol="0"/>
+          <a:lstStyle/>
+          <a:p>
+            <a:pPr lvl="0"/>
+            <a:r>
+              <a:rPr lang="en-US"/>
+              <a:t>Edit Master text styles</a:t>
+            </a:r>
+          </a:p>
+          <a:p>
+            <a:pPr lvl="1"/>
+            <a:r>
+              <a:rPr lang="en-US"/>
+              <a:t>Second level</a:t>
+            </a:r>
+          </a:p>
+          <a:p>
+            <a:pPr lvl="2"/>
+            <a:r>
+              <a:rPr lang="en-US"/>
+              <a:t>Third level</a:t>
+            </a:r>
+          </a:p>
+          <a:p>
+            <a:pPr lvl="3"/>
+            <a:r>
+              <a:rPr lang="en-US"/>
+              <a:t>Fourth level</a:t>
+            </a:r>
+          </a:p>
+          <a:p>
+            <a:pPr lvl="4"/>
+            <a:r>
+              <a:rPr lang="en-US"/>
+              <a:t>Fifth level</a:t>
+            </a:r>
+          </a:p>
+        </p:txBody>
+      </p:sp>
+      <p:sp>
+        <p:nvSpPr>
+          <p:cNvPr id="6" name="Footer Placeholder 5"/>
+          <p:cNvSpPr>
+            <a:spLocks noGrp="1"/>
+          </p:cNvSpPr>
+          <p:nvPr>
+            <p:ph type="ftr" sz="quarter" idx="4"/>
+          </p:nvPr>
+        </p:nvSpPr>
+        <p:spPr>
+          <a:xfrm>
+            <a:off x="0" y="8685213"/>
+            <a:ext cx="2971800" cy="458787"/>
+          </a:xfrm>
+          <a:prstGeom prst="rect">
+            <a:avLst/>
+          </a:prstGeom>
+        </p:spPr>
+        <p:txBody>
+          <a:bodyPr vert="horz" lIns="91440" tIns="45720" rIns="91440" bIns="45720" rtlCol="0" anchor="b"/>
+          <a:lstStyle>
+            <a:lvl1pPr algn="l">
+              <a:defRPr sz="1200"/>
+            </a:lvl1pPr>
+          </a:lstStyle>
+          <a:p>
+            <a:endParaRPr lang="en-US"/>
+          </a:p>
+        </p:txBody>
+      </p:sp>
+      <p:sp>
+        <p:nvSpPr>
+          <p:cNvPr id="7" name="Slide Number Placeholder 6"/>
+          <p:cNvSpPr>
+            <a:spLocks noGrp="1"/>
+          </p:cNvSpPr>
+          <p:nvPr>
+            <p:ph type="sldNum" sz="quarter" idx="5"/>
+          </p:nvPr>
+        </p:nvSpPr>
+        <p:spPr>
+          <a:xfrm>
+            <a:off x="3884613" y="8685213"/>
+            <a:ext cx="2971800" cy="458787"/>
+          </a:xfrm>
+          <a:prstGeom prst="rect">
+            <a:avLst/>
+          </a:prstGeom>
+        </p:spPr>
+        <p:txBody>
+          <a:bodyPr vert="horz" lIns="91440" tIns="45720" rIns="91440" bIns="45720" rtlCol="0" anchor="b"/>
+          <a:lstStyle>
+            <a:lvl1pPr algn="r">
+              <a:defRPr sz="1200"/>
+            </a:lvl1pPr>
+          </a:lstStyle>
+          <a:p>
+            <a:fld id="{195C07A1-E732-FC4D-B5B1-378D18F81978}" type="slidenum">
+              <a:rPr lang="en-US" smtClean="0"/>
+              <a:t>‹#›</a:t>
+            </a:fld>
+            <a:endParaRPr lang="en-US"/>
+          </a:p>
+        </p:txBody>
+      </p:sp>
+    </p:spTree>
+    <p:extLst>
+      <p:ext uri="{BB962C8B-B14F-4D97-AF65-F5344CB8AC3E}">
+        <p14:creationId xmlns:p14="http://schemas.microsoft.com/office/powerpoint/2010/main" val="1137674072"/>
+      </p:ext>
+    </p:extLst>
+  </p:cSld>
+  <p:clrMap bg1="lt1" tx1="dk1" bg2="lt2" tx2="dk2" accent1="accent1" accent2="accent2" accent3="accent3" accent4="accent4" accent5="accent5" accent6="accent6" hlink="hlink" folHlink="folHlink"/>
+  <p:notesStyle>
+    <a:lvl1pPr marL="0" algn="l" defTabSz="914400" rtl="0" eaLnBrk="1" latinLnBrk="0" hangingPunct="1">
+      <a:defRPr sz="1200" kern="1200">
+        <a:solidFill>
+          <a:schemeClr val="tx1"/>
+        </a:solidFill>
+        <a:latin typeface="+mn-lt"/>
+        <a:ea typeface="+mn-ea"/>
+        <a:cs typeface="+mn-cs"/>
+      </a:defRPr>
+    </a:lvl1pPr>
+    <a:lvl2pPr marL="457200" algn="l" defTabSz="914400" rtl="0" eaLnBrk="1" latinLnBrk="0" hangingPunct="1">
+      <a:defRPr sz="1200" kern="1200">
+        <a:solidFill>
+          <a:schemeClr val="tx1"/>
+        </a:solidFill>
+        <a:latin typeface="+mn-lt"/>
+        <a:ea typeface="+mn-ea"/>
+        <a:cs typeface="+mn-cs"/>
+      </a:defRPr>
+    </a:lvl2pPr>
+    <a:lvl3pPr marL="914400" algn="l" defTabSz="914400" rtl="0" eaLnBrk="1" latinLnBrk="0" hangingPunct="1">
+      <a:defRPr sz="1200" kern="1200">
+        <a:solidFill>
+          <a:schemeClr val="tx1"/>
+        </a:solidFill>
+        <a:latin typeface="+mn-lt"/>
+        <a:ea typeface="+mn-ea"/>
+        <a:cs typeface="+mn-cs"/>
+      </a:defRPr>
+    </a:lvl3pPr>
+    <a:lvl4pPr marL="1371600" algn="l" defTabSz="914400" rtl="0" eaLnBrk="1" latinLnBrk="0" hangingPunct="1">
+      <a:defRPr sz="1200" kern="1200">
+        <a:solidFill>
+          <a:schemeClr val="tx1"/>
+        </a:solidFill>
+        <a:latin typeface="+mn-lt"/>
+        <a:ea typeface="+mn-ea"/>
+        <a:cs typeface="+mn-cs"/>
+      </a:defRPr>
+    </a:lvl4pPr>
+    <a:lvl5pPr marL="1828800" algn="l" defTabSz="914400" rtl="0" eaLnBrk="1" latinLnBrk="0" hangingPunct="1">
+      <a:defRPr sz="1200" kern="1200">
+        <a:solidFill>
+          <a:schemeClr val="tx1"/>
+        </a:solidFill>
+        <a:latin typeface="+mn-lt"/>
+        <a:ea typeface="+mn-ea"/>
+        <a:cs typeface="+mn-cs"/>
+      </a:defRPr>
+    </a:lvl5pPr>
+    <a:lvl6pPr marL="2286000" algn="l" defTabSz="914400" rtl="0" eaLnBrk="1" latinLnBrk="0" hangingPunct="1">
+      <a:defRPr sz="1200" kern="1200">
+        <a:solidFill>
+          <a:schemeClr val="tx1"/>
+        </a:solidFill>
+        <a:latin typeface="+mn-lt"/>
+        <a:ea typeface="+mn-ea"/>
+        <a:cs typeface="+mn-cs"/>
+      </a:defRPr>
+    </a:lvl6pPr>
+    <a:lvl7pPr marL="2743200" algn="l" defTabSz="914400" rtl="0" eaLnBrk="1" latinLnBrk="0" hangingPunct="1">
+      <a:defRPr sz="1200" kern="1200">
+        <a:solidFill>
+          <a:schemeClr val="tx1"/>
+        </a:solidFill>
+        <a:latin typeface="+mn-lt"/>
+        <a:ea typeface="+mn-ea"/>
+        <a:cs typeface="+mn-cs"/>
+      </a:defRPr>
+    </a:lvl7pPr>
+    <a:lvl8pPr marL="3200400" algn="l" defTabSz="914400" rtl="0" eaLnBrk="1" latinLnBrk="0" hangingPunct="1">
+      <a:defRPr sz="1200" kern="1200">
+        <a:solidFill>
+          <a:schemeClr val="tx1"/>
+        </a:solidFill>
+        <a:latin typeface="+mn-lt"/>
+        <a:ea typeface="+mn-ea"/>
+        <a:cs typeface="+mn-cs"/>
+      </a:defRPr>
+    </a:lvl8pPr>
+    <a:lvl9pPr marL="3657600" algn="l" defTabSz="914400" rtl="0" eaLnBrk="1" latinLnBrk="0" hangingPunct="1">
+      <a:defRPr sz="1200" kern="1200">
+        <a:solidFill>
+          <a:schemeClr val="tx1"/>
+        </a:solidFill>
+        <a:latin typeface="+mn-lt"/>
+        <a:ea typeface="+mn-ea"/>
+        <a:cs typeface="+mn-cs"/>
+      </a:defRPr>
+    </a:lvl9pPr>
+  </p:notesStyle>
+</p:notesMaster>
 </file>
 
 <file path=ppt/slideLayouts/slideLayout1.xml><?xml version="1.0" encoding="utf-8"?>
@@ -256,7 +614,7 @@
           <a:p>
             <a:fld id="{A7671962-7FF0-0041-8A15-8F51D1010A16}" type="datetimeFigureOut">
               <a:rPr lang="en-US" smtClean="0"/>
-              <a:t>6/22/20</a:t>
+              <a:t>6/29/20</a:t>
             </a:fld>
             <a:endParaRPr lang="en-US"/>
           </a:p>
@@ -454,7 +812,7 @@
           <a:p>
             <a:fld id="{A7671962-7FF0-0041-8A15-8F51D1010A16}" type="datetimeFigureOut">
               <a:rPr lang="en-US" smtClean="0"/>
-              <a:t>6/22/20</a:t>
+              <a:t>6/29/20</a:t>
             </a:fld>
             <a:endParaRPr lang="en-US"/>
           </a:p>
@@ -662,7 +1020,7 @@
           <a:p>
             <a:fld id="{A7671962-7FF0-0041-8A15-8F51D1010A16}" type="datetimeFigureOut">
               <a:rPr lang="en-US" smtClean="0"/>
-              <a:t>6/22/20</a:t>
+              <a:t>6/29/20</a:t>
             </a:fld>
             <a:endParaRPr lang="en-US"/>
           </a:p>
@@ -860,7 +1218,7 @@
           <a:p>
             <a:fld id="{A7671962-7FF0-0041-8A15-8F51D1010A16}" type="datetimeFigureOut">
               <a:rPr lang="en-US" smtClean="0"/>
-              <a:t>6/22/20</a:t>
+              <a:t>6/29/20</a:t>
             </a:fld>
             <a:endParaRPr lang="en-US"/>
           </a:p>
@@ -1135,7 +1493,7 @@
           <a:p>
             <a:fld id="{A7671962-7FF0-0041-8A15-8F51D1010A16}" type="datetimeFigureOut">
               <a:rPr lang="en-US" smtClean="0"/>
-              <a:t>6/22/20</a:t>
+              <a:t>6/29/20</a:t>
             </a:fld>
             <a:endParaRPr lang="en-US"/>
           </a:p>
@@ -1400,7 +1758,7 @@
           <a:p>
             <a:fld id="{A7671962-7FF0-0041-8A15-8F51D1010A16}" type="datetimeFigureOut">
               <a:rPr lang="en-US" smtClean="0"/>
-              <a:t>6/22/20</a:t>
+              <a:t>6/29/20</a:t>
             </a:fld>
             <a:endParaRPr lang="en-US"/>
           </a:p>
@@ -1812,7 +2170,7 @@
           <a:p>
             <a:fld id="{A7671962-7FF0-0041-8A15-8F51D1010A16}" type="datetimeFigureOut">
               <a:rPr lang="en-US" smtClean="0"/>
-              <a:t>6/22/20</a:t>
+              <a:t>6/29/20</a:t>
             </a:fld>
             <a:endParaRPr lang="en-US"/>
           </a:p>
@@ -1953,7 +2311,7 @@
           <a:p>
             <a:fld id="{A7671962-7FF0-0041-8A15-8F51D1010A16}" type="datetimeFigureOut">
               <a:rPr lang="en-US" smtClean="0"/>
-              <a:t>6/22/20</a:t>
+              <a:t>6/29/20</a:t>
             </a:fld>
             <a:endParaRPr lang="en-US"/>
           </a:p>
@@ -2066,7 +2424,7 @@
           <a:p>
             <a:fld id="{A7671962-7FF0-0041-8A15-8F51D1010A16}" type="datetimeFigureOut">
               <a:rPr lang="en-US" smtClean="0"/>
-              <a:t>6/22/20</a:t>
+              <a:t>6/29/20</a:t>
             </a:fld>
             <a:endParaRPr lang="en-US"/>
           </a:p>
@@ -2377,7 +2735,7 @@
           <a:p>
             <a:fld id="{A7671962-7FF0-0041-8A15-8F51D1010A16}" type="datetimeFigureOut">
               <a:rPr lang="en-US" smtClean="0"/>
-              <a:t>6/22/20</a:t>
+              <a:t>6/29/20</a:t>
             </a:fld>
             <a:endParaRPr lang="en-US"/>
           </a:p>
@@ -2665,7 +3023,7 @@
           <a:p>
             <a:fld id="{A7671962-7FF0-0041-8A15-8F51D1010A16}" type="datetimeFigureOut">
               <a:rPr lang="en-US" smtClean="0"/>
-              <a:t>6/22/20</a:t>
+              <a:t>6/29/20</a:t>
             </a:fld>
             <a:endParaRPr lang="en-US"/>
           </a:p>
@@ -2906,7 +3264,7 @@
           <a:p>
             <a:fld id="{A7671962-7FF0-0041-8A15-8F51D1010A16}" type="datetimeFigureOut">
               <a:rPr lang="en-US" smtClean="0"/>
-              <a:t>6/22/20</a:t>
+              <a:t>6/29/20</a:t>
             </a:fld>
             <a:endParaRPr lang="en-US"/>
           </a:p>
@@ -6616,6 +6974,65 @@
 </p:sld>
 </file>
 
+<file path=ppt/slides/slide4.xml><?xml version="1.0" encoding="utf-8"?>
+<p:sld xmlns:a="http://schemas.openxmlformats.org/drawingml/2006/main" xmlns:r="http://schemas.openxmlformats.org/officeDocument/2006/relationships" xmlns:p="http://schemas.openxmlformats.org/presentationml/2006/main">
+  <p:cSld>
+    <p:spTree>
+      <p:nvGrpSpPr>
+        <p:cNvPr id="1" name=""/>
+        <p:cNvGrpSpPr/>
+        <p:nvPr/>
+      </p:nvGrpSpPr>
+      <p:grpSpPr>
+        <a:xfrm>
+          <a:off x="0" y="0"/>
+          <a:ext cx="0" cy="0"/>
+          <a:chOff x="0" y="0"/>
+          <a:chExt cx="0" cy="0"/>
+        </a:xfrm>
+      </p:grpSpPr>
+      <p:pic>
+        <p:nvPicPr>
+          <p:cNvPr id="5" name="Content Placeholder 4">
+            <a:extLst>
+              <a:ext uri="{FF2B5EF4-FFF2-40B4-BE49-F238E27FC236}">
+                <a16:creationId xmlns:a16="http://schemas.microsoft.com/office/drawing/2014/main" id="{8DB94294-9F87-A444-9EF0-3869D6033BED}"/>
+              </a:ext>
+            </a:extLst>
+          </p:cNvPr>
+          <p:cNvPicPr>
+            <a:picLocks noGrp="1" noChangeAspect="1"/>
+          </p:cNvPicPr>
+          <p:nvPr>
+            <p:ph idx="1"/>
+          </p:nvPr>
+        </p:nvPicPr>
+        <p:blipFill>
+          <a:blip r:embed="rId2"/>
+          <a:stretch>
+            <a:fillRect/>
+          </a:stretch>
+        </p:blipFill>
+        <p:spPr>
+          <a:xfrm>
+            <a:off x="848647" y="1274072"/>
+            <a:ext cx="10511572" cy="4404058"/>
+          </a:xfrm>
+        </p:spPr>
+      </p:pic>
+    </p:spTree>
+    <p:extLst>
+      <p:ext uri="{BB962C8B-B14F-4D97-AF65-F5344CB8AC3E}">
+        <p14:creationId xmlns:p14="http://schemas.microsoft.com/office/powerpoint/2010/main" val="4144459931"/>
+      </p:ext>
+    </p:extLst>
+  </p:cSld>
+  <p:clrMapOvr>
+    <a:masterClrMapping/>
+  </p:clrMapOvr>
+</p:sld>
+</file>
+
 <file path=ppt/theme/theme1.xml><?xml version="1.0" encoding="utf-8"?>
 <a:theme xmlns:a="http://schemas.openxmlformats.org/drawingml/2006/main" name="Office Theme">
   <a:themeElements>
@@ -6909,4 +7326,299 @@
     </a:ext>
   </a:extLst>
 </a:theme>
+</file>
+
+<file path=ppt/theme/theme2.xml><?xml version="1.0" encoding="utf-8"?>
+<a:theme xmlns:a="http://schemas.openxmlformats.org/drawingml/2006/main" name="Office Theme">
+  <a:themeElements>
+    <a:clrScheme name="Office">
+      <a:dk1>
+        <a:sysClr val="windowText" lastClr="000000"/>
+      </a:dk1>
+      <a:lt1>
+        <a:sysClr val="window" lastClr="FFFFFF"/>
+      </a:lt1>
+      <a:dk2>
+        <a:srgbClr val="44546A"/>
+      </a:dk2>
+      <a:lt2>
+        <a:srgbClr val="E7E6E6"/>
+      </a:lt2>
+      <a:accent1>
+        <a:srgbClr val="4472C4"/>
+      </a:accent1>
+      <a:accent2>
+        <a:srgbClr val="ED7D31"/>
+      </a:accent2>
+      <a:accent3>
+        <a:srgbClr val="A5A5A5"/>
+      </a:accent3>
+      <a:accent4>
+        <a:srgbClr val="FFC000"/>
+      </a:accent4>
+      <a:accent5>
+        <a:srgbClr val="5B9BD5"/>
+      </a:accent5>
+      <a:accent6>
+        <a:srgbClr val="70AD47"/>
+      </a:accent6>
+      <a:hlink>
+        <a:srgbClr val="0563C1"/>
+      </a:hlink>
+      <a:folHlink>
+        <a:srgbClr val="954F72"/>
+      </a:folHlink>
+    </a:clrScheme>
+    <a:fontScheme name="Office">
+      <a:majorFont>
+        <a:latin typeface="Calibri Light" panose="020F0302020204030204"/>
+        <a:ea typeface=""/>
+        <a:cs typeface=""/>
+        <a:font script="Jpan" typeface="游ゴシック Light"/>
+        <a:font script="Hang" typeface="맑은 고딕"/>
+        <a:font script="Hans" typeface="等线 Light"/>
+        <a:font script="Hant" typeface="新細明體"/>
+        <a:font script="Arab" typeface="Times New Roman"/>
+        <a:font script="Hebr" typeface="Times New Roman"/>
+        <a:font script="Thai" typeface="Angsana New"/>
+        <a:font script="Ethi" typeface="Nyala"/>
+        <a:font script="Beng" typeface="Vrinda"/>
+        <a:font script="Gujr" typeface="Shruti"/>
+        <a:font script="Khmr" typeface="MoolBoran"/>
+        <a:font script="Knda" typeface="Tunga"/>
+        <a:font script="Guru" typeface="Raavi"/>
+        <a:font script="Cans" typeface="Euphemia"/>
+        <a:font script="Cher" typeface="Plantagenet Cherokee"/>
+        <a:font script="Yiii" typeface="Microsoft Yi Baiti"/>
+        <a:font script="Tibt" typeface="Microsoft Himalaya"/>
+        <a:font script="Thaa" typeface="MV Boli"/>
+        <a:font script="Deva" typeface="Mangal"/>
+        <a:font script="Telu" typeface="Gautami"/>
+        <a:font script="Taml" typeface="Latha"/>
+        <a:font script="Syrc" typeface="Estrangelo Edessa"/>
+        <a:font script="Orya" typeface="Kalinga"/>
+        <a:font script="Mlym" typeface="Kartika"/>
+        <a:font script="Laoo" typeface="DokChampa"/>
+        <a:font script="Sinh" typeface="Iskoola Pota"/>
+        <a:font script="Mong" typeface="Mongolian Baiti"/>
+        <a:font script="Viet" typeface="Times New Roman"/>
+        <a:font script="Uigh" typeface="Microsoft Uighur"/>
+        <a:font script="Geor" typeface="Sylfaen"/>
+        <a:font script="Armn" typeface="Arial"/>
+        <a:font script="Bugi" typeface="Leelawadee UI"/>
+        <a:font script="Bopo" typeface="Microsoft JhengHei"/>
+        <a:font script="Java" typeface="Javanese Text"/>
+        <a:font script="Lisu" typeface="Segoe UI"/>
+        <a:font script="Mymr" typeface="Myanmar Text"/>
+        <a:font script="Nkoo" typeface="Ebrima"/>
+        <a:font script="Olck" typeface="Nirmala UI"/>
+        <a:font script="Osma" typeface="Ebrima"/>
+        <a:font script="Phag" typeface="Phagspa"/>
+        <a:font script="Syrn" typeface="Estrangelo Edessa"/>
+        <a:font script="Syrj" typeface="Estrangelo Edessa"/>
+        <a:font script="Syre" typeface="Estrangelo Edessa"/>
+        <a:font script="Sora" typeface="Nirmala UI"/>
+        <a:font script="Tale" typeface="Microsoft Tai Le"/>
+        <a:font script="Talu" typeface="Microsoft New Tai Lue"/>
+        <a:font script="Tfng" typeface="Ebrima"/>
+      </a:majorFont>
+      <a:minorFont>
+        <a:latin typeface="Calibri" panose="020F0502020204030204"/>
+        <a:ea typeface=""/>
+        <a:cs typeface=""/>
+        <a:font script="Jpan" typeface="游ゴシック"/>
+        <a:font script="Hang" typeface="맑은 고딕"/>
+        <a:font script="Hans" typeface="等线"/>
+        <a:font script="Hant" typeface="新細明體"/>
+        <a:font script="Arab" typeface="Arial"/>
+        <a:font script="Hebr" typeface="Arial"/>
+        <a:font script="Thai" typeface="Cordia New"/>
+        <a:font script="Ethi" typeface="Nyala"/>
+        <a:font script="Beng" typeface="Vrinda"/>
+        <a:font script="Gujr" typeface="Shruti"/>
+        <a:font script="Khmr" typeface="DaunPenh"/>
+        <a:font script="Knda" typeface="Tunga"/>
+        <a:font script="Guru" typeface="Raavi"/>
+        <a:font script="Cans" typeface="Euphemia"/>
+        <a:font script="Cher" typeface="Plantagenet Cherokee"/>
+        <a:font script="Yiii" typeface="Microsoft Yi Baiti"/>
+        <a:font script="Tibt" typeface="Microsoft Himalaya"/>
+        <a:font script="Thaa" typeface="MV Boli"/>
+        <a:font script="Deva" typeface="Mangal"/>
+        <a:font script="Telu" typeface="Gautami"/>
+        <a:font script="Taml" typeface="Latha"/>
+        <a:font script="Syrc" typeface="Estrangelo Edessa"/>
+        <a:font script="Orya" typeface="Kalinga"/>
+        <a:font script="Mlym" typeface="Kartika"/>
+        <a:font script="Laoo" typeface="DokChampa"/>
+        <a:font script="Sinh" typeface="Iskoola Pota"/>
+        <a:font script="Mong" typeface="Mongolian Baiti"/>
+        <a:font script="Viet" typeface="Arial"/>
+        <a:font script="Uigh" typeface="Microsoft Uighur"/>
+        <a:font script="Geor" typeface="Sylfaen"/>
+        <a:font script="Armn" typeface="Arial"/>
+        <a:font script="Bugi" typeface="Leelawadee UI"/>
+        <a:font script="Bopo" typeface="Microsoft JhengHei"/>
+        <a:font script="Java" typeface="Javanese Text"/>
+        <a:font script="Lisu" typeface="Segoe UI"/>
+        <a:font script="Mymr" typeface="Myanmar Text"/>
+        <a:font script="Nkoo" typeface="Ebrima"/>
+        <a:font script="Olck" typeface="Nirmala UI"/>
+        <a:font script="Osma" typeface="Ebrima"/>
+        <a:font script="Phag" typeface="Phagspa"/>
+        <a:font script="Syrn" typeface="Estrangelo Edessa"/>
+        <a:font script="Syrj" typeface="Estrangelo Edessa"/>
+        <a:font script="Syre" typeface="Estrangelo Edessa"/>
+        <a:font script="Sora" typeface="Nirmala UI"/>
+        <a:font script="Tale" typeface="Microsoft Tai Le"/>
+        <a:font script="Talu" typeface="Microsoft New Tai Lue"/>
+        <a:font script="Tfng" typeface="Ebrima"/>
+      </a:minorFont>
+    </a:fontScheme>
+    <a:fmtScheme name="Office">
+      <a:fillStyleLst>
+        <a:solidFill>
+          <a:schemeClr val="phClr"/>
+        </a:solidFill>
+        <a:gradFill rotWithShape="1">
+          <a:gsLst>
+            <a:gs pos="0">
+              <a:schemeClr val="phClr">
+                <a:lumMod val="110000"/>
+                <a:satMod val="105000"/>
+                <a:tint val="67000"/>
+              </a:schemeClr>
+            </a:gs>
+            <a:gs pos="50000">
+              <a:schemeClr val="phClr">
+                <a:lumMod val="105000"/>
+                <a:satMod val="103000"/>
+                <a:tint val="73000"/>
+              </a:schemeClr>
+            </a:gs>
+            <a:gs pos="100000">
+              <a:schemeClr val="phClr">
+                <a:lumMod val="105000"/>
+                <a:satMod val="109000"/>
+                <a:tint val="81000"/>
+              </a:schemeClr>
+            </a:gs>
+          </a:gsLst>
+          <a:lin ang="5400000" scaled="0"/>
+        </a:gradFill>
+        <a:gradFill rotWithShape="1">
+          <a:gsLst>
+            <a:gs pos="0">
+              <a:schemeClr val="phClr">
+                <a:satMod val="103000"/>
+                <a:lumMod val="102000"/>
+                <a:tint val="94000"/>
+              </a:schemeClr>
+            </a:gs>
+            <a:gs pos="50000">
+              <a:schemeClr val="phClr">
+                <a:satMod val="110000"/>
+                <a:lumMod val="100000"/>
+                <a:shade val="100000"/>
+              </a:schemeClr>
+            </a:gs>
+            <a:gs pos="100000">
+              <a:schemeClr val="phClr">
+                <a:lumMod val="99000"/>
+                <a:satMod val="120000"/>
+                <a:shade val="78000"/>
+              </a:schemeClr>
+            </a:gs>
+          </a:gsLst>
+          <a:lin ang="5400000" scaled="0"/>
+        </a:gradFill>
+      </a:fillStyleLst>
+      <a:lnStyleLst>
+        <a:ln w="6350" cap="flat" cmpd="sng" algn="ctr">
+          <a:solidFill>
+            <a:schemeClr val="phClr"/>
+          </a:solidFill>
+          <a:prstDash val="solid"/>
+          <a:miter lim="800000"/>
+        </a:ln>
+        <a:ln w="12700" cap="flat" cmpd="sng" algn="ctr">
+          <a:solidFill>
+            <a:schemeClr val="phClr"/>
+          </a:solidFill>
+          <a:prstDash val="solid"/>
+          <a:miter lim="800000"/>
+        </a:ln>
+        <a:ln w="19050" cap="flat" cmpd="sng" algn="ctr">
+          <a:solidFill>
+            <a:schemeClr val="phClr"/>
+          </a:solidFill>
+          <a:prstDash val="solid"/>
+          <a:miter lim="800000"/>
+        </a:ln>
+      </a:lnStyleLst>
+      <a:effectStyleLst>
+        <a:effectStyle>
+          <a:effectLst/>
+        </a:effectStyle>
+        <a:effectStyle>
+          <a:effectLst/>
+        </a:effectStyle>
+        <a:effectStyle>
+          <a:effectLst>
+            <a:outerShdw blurRad="57150" dist="19050" dir="5400000" algn="ctr" rotWithShape="0">
+              <a:srgbClr val="000000">
+                <a:alpha val="63000"/>
+              </a:srgbClr>
+            </a:outerShdw>
+          </a:effectLst>
+        </a:effectStyle>
+      </a:effectStyleLst>
+      <a:bgFillStyleLst>
+        <a:solidFill>
+          <a:schemeClr val="phClr"/>
+        </a:solidFill>
+        <a:solidFill>
+          <a:schemeClr val="phClr">
+            <a:tint val="95000"/>
+            <a:satMod val="170000"/>
+          </a:schemeClr>
+        </a:solidFill>
+        <a:gradFill rotWithShape="1">
+          <a:gsLst>
+            <a:gs pos="0">
+              <a:schemeClr val="phClr">
+                <a:tint val="93000"/>
+                <a:satMod val="150000"/>
+                <a:shade val="98000"/>
+                <a:lumMod val="102000"/>
+              </a:schemeClr>
+            </a:gs>
+            <a:gs pos="50000">
+              <a:schemeClr val="phClr">
+                <a:tint val="98000"/>
+                <a:satMod val="130000"/>
+                <a:shade val="90000"/>
+                <a:lumMod val="103000"/>
+              </a:schemeClr>
+            </a:gs>
+            <a:gs pos="100000">
+              <a:schemeClr val="phClr">
+                <a:shade val="63000"/>
+                <a:satMod val="120000"/>
+              </a:schemeClr>
+            </a:gs>
+          </a:gsLst>
+          <a:lin ang="5400000" scaled="0"/>
+        </a:gradFill>
+      </a:bgFillStyleLst>
+    </a:fmtScheme>
+  </a:themeElements>
+  <a:objectDefaults/>
+  <a:extraClrSchemeLst/>
+  <a:extLst>
+    <a:ext uri="{05A4C25C-085E-4340-85A3-A5531E510DB2}">
+      <thm15:themeFamily xmlns:thm15="http://schemas.microsoft.com/office/thememl/2012/main" name="Office Theme" id="{62F939B6-93AF-4DB8-9C6B-D6C7DFDC589F}" vid="{4A3C46E8-61CC-4603-A589-7422A47A8E4A}"/>
+    </a:ext>
+  </a:extLst>
+</a:theme>
 </file>
--- a/Speedup_localisation.pptx
+++ b/Speedup_localisation.pptx
@@ -200,7 +200,7 @@
           <a:p>
             <a:fld id="{3B3ECAD4-5B68-134F-BE39-A6695F613417}" type="datetimeFigureOut">
               <a:rPr lang="en-US" smtClean="0"/>
-              <a:t>6/29/20</a:t>
+              <a:t>7/5/20</a:t>
             </a:fld>
             <a:endParaRPr lang="en-US"/>
           </a:p>
@@ -614,7 +614,7 @@
           <a:p>
             <a:fld id="{A7671962-7FF0-0041-8A15-8F51D1010A16}" type="datetimeFigureOut">
               <a:rPr lang="en-US" smtClean="0"/>
-              <a:t>6/29/20</a:t>
+              <a:t>7/5/20</a:t>
             </a:fld>
             <a:endParaRPr lang="en-US"/>
           </a:p>
@@ -812,7 +812,7 @@
           <a:p>
             <a:fld id="{A7671962-7FF0-0041-8A15-8F51D1010A16}" type="datetimeFigureOut">
               <a:rPr lang="en-US" smtClean="0"/>
-              <a:t>6/29/20</a:t>
+              <a:t>7/5/20</a:t>
             </a:fld>
             <a:endParaRPr lang="en-US"/>
           </a:p>
@@ -1020,7 +1020,7 @@
           <a:p>
             <a:fld id="{A7671962-7FF0-0041-8A15-8F51D1010A16}" type="datetimeFigureOut">
               <a:rPr lang="en-US" smtClean="0"/>
-              <a:t>6/29/20</a:t>
+              <a:t>7/5/20</a:t>
             </a:fld>
             <a:endParaRPr lang="en-US"/>
           </a:p>
@@ -1218,7 +1218,7 @@
           <a:p>
             <a:fld id="{A7671962-7FF0-0041-8A15-8F51D1010A16}" type="datetimeFigureOut">
               <a:rPr lang="en-US" smtClean="0"/>
-              <a:t>6/29/20</a:t>
+              <a:t>7/5/20</a:t>
             </a:fld>
             <a:endParaRPr lang="en-US"/>
           </a:p>
@@ -1493,7 +1493,7 @@
           <a:p>
             <a:fld id="{A7671962-7FF0-0041-8A15-8F51D1010A16}" type="datetimeFigureOut">
               <a:rPr lang="en-US" smtClean="0"/>
-              <a:t>6/29/20</a:t>
+              <a:t>7/5/20</a:t>
             </a:fld>
             <a:endParaRPr lang="en-US"/>
           </a:p>
@@ -1758,7 +1758,7 @@
           <a:p>
             <a:fld id="{A7671962-7FF0-0041-8A15-8F51D1010A16}" type="datetimeFigureOut">
               <a:rPr lang="en-US" smtClean="0"/>
-              <a:t>6/29/20</a:t>
+              <a:t>7/5/20</a:t>
             </a:fld>
             <a:endParaRPr lang="en-US"/>
           </a:p>
@@ -2170,7 +2170,7 @@
           <a:p>
             <a:fld id="{A7671962-7FF0-0041-8A15-8F51D1010A16}" type="datetimeFigureOut">
               <a:rPr lang="en-US" smtClean="0"/>
-              <a:t>6/29/20</a:t>
+              <a:t>7/5/20</a:t>
             </a:fld>
             <a:endParaRPr lang="en-US"/>
           </a:p>
@@ -2311,7 +2311,7 @@
           <a:p>
             <a:fld id="{A7671962-7FF0-0041-8A15-8F51D1010A16}" type="datetimeFigureOut">
               <a:rPr lang="en-US" smtClean="0"/>
-              <a:t>6/29/20</a:t>
+              <a:t>7/5/20</a:t>
             </a:fld>
             <a:endParaRPr lang="en-US"/>
           </a:p>
@@ -2424,7 +2424,7 @@
           <a:p>
             <a:fld id="{A7671962-7FF0-0041-8A15-8F51D1010A16}" type="datetimeFigureOut">
               <a:rPr lang="en-US" smtClean="0"/>
-              <a:t>6/29/20</a:t>
+              <a:t>7/5/20</a:t>
             </a:fld>
             <a:endParaRPr lang="en-US"/>
           </a:p>
@@ -2735,7 +2735,7 @@
           <a:p>
             <a:fld id="{A7671962-7FF0-0041-8A15-8F51D1010A16}" type="datetimeFigureOut">
               <a:rPr lang="en-US" smtClean="0"/>
-              <a:t>6/29/20</a:t>
+              <a:t>7/5/20</a:t>
             </a:fld>
             <a:endParaRPr lang="en-US"/>
           </a:p>
@@ -3023,7 +3023,7 @@
           <a:p>
             <a:fld id="{A7671962-7FF0-0041-8A15-8F51D1010A16}" type="datetimeFigureOut">
               <a:rPr lang="en-US" smtClean="0"/>
-              <a:t>6/29/20</a:t>
+              <a:t>7/5/20</a:t>
             </a:fld>
             <a:endParaRPr lang="en-US"/>
           </a:p>
@@ -3264,7 +3264,7 @@
           <a:p>
             <a:fld id="{A7671962-7FF0-0041-8A15-8F51D1010A16}" type="datetimeFigureOut">
               <a:rPr lang="en-US" smtClean="0"/>
-              <a:t>6/29/20</a:t>
+              <a:t>7/5/20</a:t>
             </a:fld>
             <a:endParaRPr lang="en-US"/>
           </a:p>

--- a/Speedup_localisation.pptx
+++ b/Speedup_localisation.pptx
@@ -5,13 +5,16 @@
     <p:sldMasterId id="2147483648" r:id="rId1"/>
   </p:sldMasterIdLst>
   <p:notesMasterIdLst>
-    <p:notesMasterId r:id="rId6"/>
+    <p:notesMasterId r:id="rId9"/>
   </p:notesMasterIdLst>
   <p:sldIdLst>
     <p:sldId id="256" r:id="rId2"/>
-    <p:sldId id="257" r:id="rId3"/>
-    <p:sldId id="258" r:id="rId4"/>
-    <p:sldId id="259" r:id="rId5"/>
+    <p:sldId id="260" r:id="rId3"/>
+    <p:sldId id="257" r:id="rId4"/>
+    <p:sldId id="258" r:id="rId5"/>
+    <p:sldId id="259" r:id="rId6"/>
+    <p:sldId id="263" r:id="rId7"/>
+    <p:sldId id="262" r:id="rId8"/>
   </p:sldIdLst>
   <p:sldSz cx="12192000" cy="6858000"/>
   <p:notesSz cx="6858000" cy="9144000"/>
@@ -111,6 +114,25 @@
     </a:lvl9pPr>
   </p:defaultTextStyle>
   <p:extLst>
+    <p:ext uri="{521415D9-36F7-43E2-AB2F-B90AF26B5E84}">
+      <p14:sectionLst xmlns:p14="http://schemas.microsoft.com/office/powerpoint/2010/main">
+        <p14:section name="Default Section" id="{C4F46AFA-4CAC-4C42-AF5D-8ACE4EB65E51}">
+          <p14:sldIdLst>
+            <p14:sldId id="256"/>
+          </p14:sldIdLst>
+        </p14:section>
+        <p14:section name="bootstrapping" id="{07F56409-B5F3-1B4E-A0B7-D846A8D09BD7}">
+          <p14:sldIdLst>
+            <p14:sldId id="260"/>
+            <p14:sldId id="257"/>
+            <p14:sldId id="258"/>
+            <p14:sldId id="259"/>
+            <p14:sldId id="263"/>
+            <p14:sldId id="262"/>
+          </p14:sldIdLst>
+        </p14:section>
+      </p14:sectionLst>
+    </p:ext>
     <p:ext uri="{EFAFB233-063F-42B5-8137-9DF3F51BA10A}">
       <p15:sldGuideLst xmlns:p15="http://schemas.microsoft.com/office/powerpoint/2012/main"/>
     </p:ext>
@@ -200,7 +222,7 @@
           <a:p>
             <a:fld id="{3B3ECAD4-5B68-134F-BE39-A6695F613417}" type="datetimeFigureOut">
               <a:rPr lang="en-US" smtClean="0"/>
-              <a:t>7/5/20</a:t>
+              <a:t>8/12/20</a:t>
             </a:fld>
             <a:endParaRPr lang="en-US"/>
           </a:p>
@@ -614,7 +636,7 @@
           <a:p>
             <a:fld id="{A7671962-7FF0-0041-8A15-8F51D1010A16}" type="datetimeFigureOut">
               <a:rPr lang="en-US" smtClean="0"/>
-              <a:t>7/5/20</a:t>
+              <a:t>8/12/20</a:t>
             </a:fld>
             <a:endParaRPr lang="en-US"/>
           </a:p>
@@ -812,7 +834,7 @@
           <a:p>
             <a:fld id="{A7671962-7FF0-0041-8A15-8F51D1010A16}" type="datetimeFigureOut">
               <a:rPr lang="en-US" smtClean="0"/>
-              <a:t>7/5/20</a:t>
+              <a:t>8/12/20</a:t>
             </a:fld>
             <a:endParaRPr lang="en-US"/>
           </a:p>
@@ -1020,7 +1042,7 @@
           <a:p>
             <a:fld id="{A7671962-7FF0-0041-8A15-8F51D1010A16}" type="datetimeFigureOut">
               <a:rPr lang="en-US" smtClean="0"/>
-              <a:t>7/5/20</a:t>
+              <a:t>8/12/20</a:t>
             </a:fld>
             <a:endParaRPr lang="en-US"/>
           </a:p>
@@ -1218,7 +1240,7 @@
           <a:p>
             <a:fld id="{A7671962-7FF0-0041-8A15-8F51D1010A16}" type="datetimeFigureOut">
               <a:rPr lang="en-US" smtClean="0"/>
-              <a:t>7/5/20</a:t>
+              <a:t>8/12/20</a:t>
             </a:fld>
             <a:endParaRPr lang="en-US"/>
           </a:p>
@@ -1493,7 +1515,7 @@
           <a:p>
             <a:fld id="{A7671962-7FF0-0041-8A15-8F51D1010A16}" type="datetimeFigureOut">
               <a:rPr lang="en-US" smtClean="0"/>
-              <a:t>7/5/20</a:t>
+              <a:t>8/12/20</a:t>
             </a:fld>
             <a:endParaRPr lang="en-US"/>
           </a:p>
@@ -1758,7 +1780,7 @@
           <a:p>
             <a:fld id="{A7671962-7FF0-0041-8A15-8F51D1010A16}" type="datetimeFigureOut">
               <a:rPr lang="en-US" smtClean="0"/>
-              <a:t>7/5/20</a:t>
+              <a:t>8/12/20</a:t>
             </a:fld>
             <a:endParaRPr lang="en-US"/>
           </a:p>
@@ -2170,7 +2192,7 @@
           <a:p>
             <a:fld id="{A7671962-7FF0-0041-8A15-8F51D1010A16}" type="datetimeFigureOut">
               <a:rPr lang="en-US" smtClean="0"/>
-              <a:t>7/5/20</a:t>
+              <a:t>8/12/20</a:t>
             </a:fld>
             <a:endParaRPr lang="en-US"/>
           </a:p>
@@ -2311,7 +2333,7 @@
           <a:p>
             <a:fld id="{A7671962-7FF0-0041-8A15-8F51D1010A16}" type="datetimeFigureOut">
               <a:rPr lang="en-US" smtClean="0"/>
-              <a:t>7/5/20</a:t>
+              <a:t>8/12/20</a:t>
             </a:fld>
             <a:endParaRPr lang="en-US"/>
           </a:p>
@@ -2424,7 +2446,7 @@
           <a:p>
             <a:fld id="{A7671962-7FF0-0041-8A15-8F51D1010A16}" type="datetimeFigureOut">
               <a:rPr lang="en-US" smtClean="0"/>
-              <a:t>7/5/20</a:t>
+              <a:t>8/12/20</a:t>
             </a:fld>
             <a:endParaRPr lang="en-US"/>
           </a:p>
@@ -2735,7 +2757,7 @@
           <a:p>
             <a:fld id="{A7671962-7FF0-0041-8A15-8F51D1010A16}" type="datetimeFigureOut">
               <a:rPr lang="en-US" smtClean="0"/>
-              <a:t>7/5/20</a:t>
+              <a:t>8/12/20</a:t>
             </a:fld>
             <a:endParaRPr lang="en-US"/>
           </a:p>
@@ -3023,7 +3045,7 @@
           <a:p>
             <a:fld id="{A7671962-7FF0-0041-8A15-8F51D1010A16}" type="datetimeFigureOut">
               <a:rPr lang="en-US" smtClean="0"/>
-              <a:t>7/5/20</a:t>
+              <a:t>8/12/20</a:t>
             </a:fld>
             <a:endParaRPr lang="en-US"/>
           </a:p>
@@ -3264,7 +3286,7 @@
           <a:p>
             <a:fld id="{A7671962-7FF0-0041-8A15-8F51D1010A16}" type="datetimeFigureOut">
               <a:rPr lang="en-US" smtClean="0"/>
-              <a:t>7/5/20</a:t>
+              <a:t>8/12/20</a:t>
             </a:fld>
             <a:endParaRPr lang="en-US"/>
           </a:p>
@@ -3709,7 +3731,7 @@
           <a:p>
             <a:r>
               <a:rPr lang="en-US" dirty="0"/>
-              <a:t>Seep Up Localisation</a:t>
+              <a:t>Speed Up Localisation</a:t>
             </a:r>
           </a:p>
         </p:txBody>
@@ -3728,6 +3750,70 @@
 </file>
 
 <file path=ppt/slides/slide2.xml><?xml version="1.0" encoding="utf-8"?>
+<p:sld xmlns:a="http://schemas.openxmlformats.org/drawingml/2006/main" xmlns:r="http://schemas.openxmlformats.org/officeDocument/2006/relationships" xmlns:p="http://schemas.openxmlformats.org/presentationml/2006/main">
+  <p:cSld>
+    <p:spTree>
+      <p:nvGrpSpPr>
+        <p:cNvPr id="1" name=""/>
+        <p:cNvGrpSpPr/>
+        <p:nvPr/>
+      </p:nvGrpSpPr>
+      <p:grpSpPr>
+        <a:xfrm>
+          <a:off x="0" y="0"/>
+          <a:ext cx="0" cy="0"/>
+          <a:chOff x="0" y="0"/>
+          <a:chExt cx="0" cy="0"/>
+        </a:xfrm>
+      </p:grpSpPr>
+      <p:sp>
+        <p:nvSpPr>
+          <p:cNvPr id="2" name="Title 1">
+            <a:extLst>
+              <a:ext uri="{FF2B5EF4-FFF2-40B4-BE49-F238E27FC236}">
+                <a16:creationId xmlns:a16="http://schemas.microsoft.com/office/drawing/2014/main" id="{E0146D59-5931-994F-A51B-57F9BB07E01D}"/>
+              </a:ext>
+            </a:extLst>
+          </p:cNvPr>
+          <p:cNvSpPr>
+            <a:spLocks noGrp="1"/>
+          </p:cNvSpPr>
+          <p:nvPr>
+            <p:ph type="title"/>
+          </p:nvPr>
+        </p:nvSpPr>
+        <p:spPr>
+          <a:xfrm>
+            <a:off x="852948" y="2695370"/>
+            <a:ext cx="10515600" cy="1325563"/>
+          </a:xfrm>
+        </p:spPr>
+        <p:txBody>
+          <a:bodyPr/>
+          <a:lstStyle/>
+          <a:p>
+            <a:pPr algn="ctr"/>
+            <a:r>
+              <a:rPr lang="en-US" dirty="0"/>
+              <a:t>Boot Strapping</a:t>
+            </a:r>
+          </a:p>
+        </p:txBody>
+      </p:sp>
+    </p:spTree>
+    <p:extLst>
+      <p:ext uri="{BB962C8B-B14F-4D97-AF65-F5344CB8AC3E}">
+        <p14:creationId xmlns:p14="http://schemas.microsoft.com/office/powerpoint/2010/main" val="174603191"/>
+      </p:ext>
+    </p:extLst>
+  </p:cSld>
+  <p:clrMapOvr>
+    <a:masterClrMapping/>
+  </p:clrMapOvr>
+</p:sld>
+</file>
+
+<file path=ppt/slides/slide3.xml><?xml version="1.0" encoding="utf-8"?>
 <p:sld xmlns:a="http://schemas.openxmlformats.org/drawingml/2006/main" xmlns:r="http://schemas.openxmlformats.org/officeDocument/2006/relationships" xmlns:p="http://schemas.openxmlformats.org/presentationml/2006/main">
   <p:cSld>
     <p:spTree>
@@ -5347,7 +5433,7 @@
 </p:sld>
 </file>
 
-<file path=ppt/slides/slide3.xml><?xml version="1.0" encoding="utf-8"?>
+<file path=ppt/slides/slide4.xml><?xml version="1.0" encoding="utf-8"?>
 <p:sld xmlns:a="http://schemas.openxmlformats.org/drawingml/2006/main" xmlns:r="http://schemas.openxmlformats.org/officeDocument/2006/relationships" xmlns:p="http://schemas.openxmlformats.org/presentationml/2006/main">
   <p:cSld>
     <p:spTree>
@@ -6974,7 +7060,7 @@
 </p:sld>
 </file>
 
-<file path=ppt/slides/slide4.xml><?xml version="1.0" encoding="utf-8"?>
+<file path=ppt/slides/slide5.xml><?xml version="1.0" encoding="utf-8"?>
 <p:sld xmlns:a="http://schemas.openxmlformats.org/drawingml/2006/main" xmlns:r="http://schemas.openxmlformats.org/officeDocument/2006/relationships" xmlns:p="http://schemas.openxmlformats.org/presentationml/2006/main">
   <p:cSld>
     <p:spTree>
@@ -6991,39 +7077,2150 @@
           <a:chExt cx="0" cy="0"/>
         </a:xfrm>
       </p:grpSpPr>
-      <p:pic>
-        <p:nvPicPr>
-          <p:cNvPr id="5" name="Content Placeholder 4">
+      <p:sp>
+        <p:nvSpPr>
+          <p:cNvPr id="2" name="Title 1">
             <a:extLst>
               <a:ext uri="{FF2B5EF4-FFF2-40B4-BE49-F238E27FC236}">
-                <a16:creationId xmlns:a16="http://schemas.microsoft.com/office/drawing/2014/main" id="{8DB94294-9F87-A444-9EF0-3869D6033BED}"/>
+                <a16:creationId xmlns:a16="http://schemas.microsoft.com/office/drawing/2014/main" id="{74F96B19-1AD3-6C49-B369-14CD710C4D63}"/>
               </a:ext>
             </a:extLst>
           </p:cNvPr>
-          <p:cNvPicPr>
-            <a:picLocks noGrp="1" noChangeAspect="1"/>
-          </p:cNvPicPr>
+          <p:cNvSpPr>
+            <a:spLocks noGrp="1"/>
+          </p:cNvSpPr>
           <p:nvPr>
-            <p:ph idx="1"/>
+            <p:ph type="title"/>
           </p:nvPr>
-        </p:nvPicPr>
-        <p:blipFill>
-          <a:blip r:embed="rId2"/>
-          <a:stretch>
-            <a:fillRect/>
-          </a:stretch>
-        </p:blipFill>
+        </p:nvSpPr>
         <p:spPr>
           <a:xfrm>
-            <a:off x="848647" y="1274072"/>
-            <a:ext cx="10511572" cy="4404058"/>
+            <a:off x="779207" y="2680621"/>
+            <a:ext cx="10515600" cy="1325563"/>
           </a:xfrm>
         </p:spPr>
-      </p:pic>
+        <p:txBody>
+          <a:bodyPr/>
+          <a:lstStyle/>
+          <a:p>
+            <a:pPr algn="ctr"/>
+            <a:r>
+              <a:rPr lang="en-US" dirty="0"/>
+              <a:t>Thresholding</a:t>
+            </a:r>
+          </a:p>
+        </p:txBody>
+      </p:sp>
     </p:spTree>
     <p:extLst>
       <p:ext uri="{BB962C8B-B14F-4D97-AF65-F5344CB8AC3E}">
-        <p14:creationId xmlns:p14="http://schemas.microsoft.com/office/powerpoint/2010/main" val="4144459931"/>
+        <p14:creationId xmlns:p14="http://schemas.microsoft.com/office/powerpoint/2010/main" val="1471854690"/>
+      </p:ext>
+    </p:extLst>
+  </p:cSld>
+  <p:clrMapOvr>
+    <a:masterClrMapping/>
+  </p:clrMapOvr>
+</p:sld>
+</file>
+
+<file path=ppt/slides/slide6.xml><?xml version="1.0" encoding="utf-8"?>
+<p:sld xmlns:a="http://schemas.openxmlformats.org/drawingml/2006/main" xmlns:r="http://schemas.openxmlformats.org/officeDocument/2006/relationships" xmlns:p="http://schemas.openxmlformats.org/presentationml/2006/main">
+  <p:cSld>
+    <p:spTree>
+      <p:nvGrpSpPr>
+        <p:cNvPr id="1" name=""/>
+        <p:cNvGrpSpPr/>
+        <p:nvPr/>
+      </p:nvGrpSpPr>
+      <p:grpSpPr>
+        <a:xfrm>
+          <a:off x="0" y="0"/>
+          <a:ext cx="0" cy="0"/>
+          <a:chOff x="0" y="0"/>
+          <a:chExt cx="0" cy="0"/>
+        </a:xfrm>
+      </p:grpSpPr>
+      <p:sp>
+        <p:nvSpPr>
+          <p:cNvPr id="2" name="Title 1">
+            <a:extLst>
+              <a:ext uri="{FF2B5EF4-FFF2-40B4-BE49-F238E27FC236}">
+                <a16:creationId xmlns:a16="http://schemas.microsoft.com/office/drawing/2014/main" id="{38C20714-1F1C-0347-B743-82DD2BD15149}"/>
+              </a:ext>
+            </a:extLst>
+          </p:cNvPr>
+          <p:cNvSpPr>
+            <a:spLocks noGrp="1"/>
+          </p:cNvSpPr>
+          <p:nvPr>
+            <p:ph type="title"/>
+          </p:nvPr>
+        </p:nvSpPr>
+        <p:spPr/>
+        <p:txBody>
+          <a:bodyPr/>
+          <a:lstStyle/>
+          <a:p>
+            <a:pPr algn="ctr"/>
+            <a:r>
+              <a:rPr lang="en-US" dirty="0"/>
+              <a:t>Thresholding (Union Square)</a:t>
+            </a:r>
+          </a:p>
+        </p:txBody>
+      </p:sp>
+      <p:graphicFrame>
+        <p:nvGraphicFramePr>
+          <p:cNvPr id="4" name="Content Placeholder 3">
+            <a:extLst>
+              <a:ext uri="{FF2B5EF4-FFF2-40B4-BE49-F238E27FC236}">
+                <a16:creationId xmlns:a16="http://schemas.microsoft.com/office/drawing/2014/main" id="{BB7CFCCD-216C-BB42-92C1-4666B2FF965E}"/>
+              </a:ext>
+            </a:extLst>
+          </p:cNvPr>
+          <p:cNvGraphicFramePr>
+            <a:graphicFrameLocks noGrp="1"/>
+          </p:cNvGraphicFramePr>
+          <p:nvPr>
+            <p:ph idx="1"/>
+            <p:extLst>
+              <p:ext uri="{D42A27DB-BD31-4B8C-83A1-F6EECF244321}">
+                <p14:modId xmlns:p14="http://schemas.microsoft.com/office/powerpoint/2010/main" val="1601647529"/>
+              </p:ext>
+            </p:extLst>
+          </p:nvPr>
+        </p:nvGraphicFramePr>
+        <p:xfrm>
+          <a:off x="838200" y="2371315"/>
+          <a:ext cx="10515600" cy="2225040"/>
+        </p:xfrm>
+        <a:graphic>
+          <a:graphicData uri="http://schemas.openxmlformats.org/drawingml/2006/table">
+            <a:tbl>
+              <a:tblPr firstRow="1" bandRow="1">
+                <a:tableStyleId>{5C22544A-7EE6-4342-B048-85BDC9FD1C3A}</a:tableStyleId>
+              </a:tblPr>
+              <a:tblGrid>
+                <a:gridCol w="1051560">
+                  <a:extLst>
+                    <a:ext uri="{9D8B030D-6E8A-4147-A177-3AD203B41FA5}">
+                      <a16:colId xmlns:a16="http://schemas.microsoft.com/office/drawing/2014/main" val="1829989999"/>
+                    </a:ext>
+                  </a:extLst>
+                </a:gridCol>
+                <a:gridCol w="1051560">
+                  <a:extLst>
+                    <a:ext uri="{9D8B030D-6E8A-4147-A177-3AD203B41FA5}">
+                      <a16:colId xmlns:a16="http://schemas.microsoft.com/office/drawing/2014/main" val="3403708609"/>
+                    </a:ext>
+                  </a:extLst>
+                </a:gridCol>
+                <a:gridCol w="1051560">
+                  <a:extLst>
+                    <a:ext uri="{9D8B030D-6E8A-4147-A177-3AD203B41FA5}">
+                      <a16:colId xmlns:a16="http://schemas.microsoft.com/office/drawing/2014/main" val="850431683"/>
+                    </a:ext>
+                  </a:extLst>
+                </a:gridCol>
+                <a:gridCol w="1051560">
+                  <a:extLst>
+                    <a:ext uri="{9D8B030D-6E8A-4147-A177-3AD203B41FA5}">
+                      <a16:colId xmlns:a16="http://schemas.microsoft.com/office/drawing/2014/main" val="154462440"/>
+                    </a:ext>
+                  </a:extLst>
+                </a:gridCol>
+                <a:gridCol w="1051560">
+                  <a:extLst>
+                    <a:ext uri="{9D8B030D-6E8A-4147-A177-3AD203B41FA5}">
+                      <a16:colId xmlns:a16="http://schemas.microsoft.com/office/drawing/2014/main" val="1102429064"/>
+                    </a:ext>
+                  </a:extLst>
+                </a:gridCol>
+                <a:gridCol w="1051560">
+                  <a:extLst>
+                    <a:ext uri="{9D8B030D-6E8A-4147-A177-3AD203B41FA5}">
+                      <a16:colId xmlns:a16="http://schemas.microsoft.com/office/drawing/2014/main" val="271500692"/>
+                    </a:ext>
+                  </a:extLst>
+                </a:gridCol>
+                <a:gridCol w="1051560">
+                  <a:extLst>
+                    <a:ext uri="{9D8B030D-6E8A-4147-A177-3AD203B41FA5}">
+                      <a16:colId xmlns:a16="http://schemas.microsoft.com/office/drawing/2014/main" val="1900875243"/>
+                    </a:ext>
+                  </a:extLst>
+                </a:gridCol>
+                <a:gridCol w="1051560">
+                  <a:extLst>
+                    <a:ext uri="{9D8B030D-6E8A-4147-A177-3AD203B41FA5}">
+                      <a16:colId xmlns:a16="http://schemas.microsoft.com/office/drawing/2014/main" val="2361607834"/>
+                    </a:ext>
+                  </a:extLst>
+                </a:gridCol>
+                <a:gridCol w="1051560">
+                  <a:extLst>
+                    <a:ext uri="{9D8B030D-6E8A-4147-A177-3AD203B41FA5}">
+                      <a16:colId xmlns:a16="http://schemas.microsoft.com/office/drawing/2014/main" val="491029161"/>
+                    </a:ext>
+                  </a:extLst>
+                </a:gridCol>
+                <a:gridCol w="1051560">
+                  <a:extLst>
+                    <a:ext uri="{9D8B030D-6E8A-4147-A177-3AD203B41FA5}">
+                      <a16:colId xmlns:a16="http://schemas.microsoft.com/office/drawing/2014/main" val="2960068319"/>
+                    </a:ext>
+                  </a:extLst>
+                </a:gridCol>
+              </a:tblGrid>
+              <a:tr h="370840">
+                <a:tc>
+                  <a:txBody>
+                    <a:bodyPr/>
+                    <a:lstStyle/>
+                    <a:p>
+                      <a:pPr algn="ctr"/>
+                      <a:endParaRPr lang="en-US" dirty="0"/>
+                    </a:p>
+                  </a:txBody>
+                  <a:tcPr/>
+                </a:tc>
+                <a:tc>
+                  <a:txBody>
+                    <a:bodyPr/>
+                    <a:lstStyle/>
+                    <a:p>
+                      <a:pPr algn="ctr"/>
+                      <a:r>
+                        <a:rPr lang="en-US" dirty="0"/>
+                        <a:t>5</a:t>
+                      </a:r>
+                    </a:p>
+                  </a:txBody>
+                  <a:tcPr/>
+                </a:tc>
+                <a:tc>
+                  <a:txBody>
+                    <a:bodyPr/>
+                    <a:lstStyle/>
+                    <a:p>
+                      <a:pPr algn="ctr"/>
+                      <a:r>
+                        <a:rPr lang="en-US" dirty="0"/>
+                        <a:t>10</a:t>
+                      </a:r>
+                    </a:p>
+                  </a:txBody>
+                  <a:tcPr/>
+                </a:tc>
+                <a:tc>
+                  <a:txBody>
+                    <a:bodyPr/>
+                    <a:lstStyle/>
+                    <a:p>
+                      <a:pPr algn="ctr"/>
+                      <a:r>
+                        <a:rPr lang="en-US" dirty="0"/>
+                        <a:t>15</a:t>
+                      </a:r>
+                    </a:p>
+                  </a:txBody>
+                  <a:tcPr/>
+                </a:tc>
+                <a:tc>
+                  <a:txBody>
+                    <a:bodyPr/>
+                    <a:lstStyle/>
+                    <a:p>
+                      <a:pPr algn="ctr"/>
+                      <a:r>
+                        <a:rPr lang="en-US" dirty="0"/>
+                        <a:t>20</a:t>
+                      </a:r>
+                    </a:p>
+                  </a:txBody>
+                  <a:tcPr/>
+                </a:tc>
+                <a:tc>
+                  <a:txBody>
+                    <a:bodyPr/>
+                    <a:lstStyle/>
+                    <a:p>
+                      <a:pPr algn="ctr"/>
+                      <a:r>
+                        <a:rPr lang="en-US" dirty="0"/>
+                        <a:t>25</a:t>
+                      </a:r>
+                    </a:p>
+                  </a:txBody>
+                  <a:tcPr/>
+                </a:tc>
+                <a:tc>
+                  <a:txBody>
+                    <a:bodyPr/>
+                    <a:lstStyle/>
+                    <a:p>
+                      <a:pPr algn="ctr"/>
+                      <a:r>
+                        <a:rPr lang="en-US" dirty="0"/>
+                        <a:t>30</a:t>
+                      </a:r>
+                    </a:p>
+                  </a:txBody>
+                  <a:tcPr/>
+                </a:tc>
+                <a:tc>
+                  <a:txBody>
+                    <a:bodyPr/>
+                    <a:lstStyle/>
+                    <a:p>
+                      <a:pPr algn="ctr"/>
+                      <a:r>
+                        <a:rPr lang="en-US" dirty="0"/>
+                        <a:t>35</a:t>
+                      </a:r>
+                    </a:p>
+                  </a:txBody>
+                  <a:tcPr/>
+                </a:tc>
+                <a:tc>
+                  <a:txBody>
+                    <a:bodyPr/>
+                    <a:lstStyle/>
+                    <a:p>
+                      <a:pPr algn="ctr"/>
+                      <a:r>
+                        <a:rPr lang="en-US" dirty="0"/>
+                        <a:t>40</a:t>
+                      </a:r>
+                    </a:p>
+                  </a:txBody>
+                  <a:tcPr/>
+                </a:tc>
+                <a:tc>
+                  <a:txBody>
+                    <a:bodyPr/>
+                    <a:lstStyle/>
+                    <a:p>
+                      <a:pPr algn="ctr"/>
+                      <a:r>
+                        <a:rPr lang="en-US" dirty="0"/>
+                        <a:t>time</a:t>
+                      </a:r>
+                    </a:p>
+                  </a:txBody>
+                  <a:tcPr/>
+                </a:tc>
+                <a:extLst>
+                  <a:ext uri="{0D108BD9-81ED-4DB2-BD59-A6C34878D82A}">
+                    <a16:rowId xmlns:a16="http://schemas.microsoft.com/office/drawing/2014/main" val="58970050"/>
+                  </a:ext>
+                </a:extLst>
+              </a:tr>
+              <a:tr h="370840">
+                <a:tc>
+                  <a:txBody>
+                    <a:bodyPr/>
+                    <a:lstStyle/>
+                    <a:p>
+                      <a:pPr algn="ctr"/>
+                      <a:r>
+                        <a:rPr lang="en-US" dirty="0"/>
+                        <a:t>10%</a:t>
+                      </a:r>
+                    </a:p>
+                  </a:txBody>
+                  <a:tcPr/>
+                </a:tc>
+                <a:tc>
+                  <a:txBody>
+                    <a:bodyPr/>
+                    <a:lstStyle/>
+                    <a:p>
+                      <a:pPr algn="ctr"/>
+                      <a:r>
+                        <a:rPr lang="en-GB" b="0" dirty="0">
+                          <a:solidFill>
+                            <a:schemeClr val="tx1"/>
+                          </a:solidFill>
+                          <a:effectLst/>
+                          <a:latin typeface="Calibri" panose="020F0502020204030204" pitchFamily="34" charset="0"/>
+                        </a:rPr>
+                        <a:t>0.458</a:t>
+                      </a:r>
+                    </a:p>
+                  </a:txBody>
+                  <a:tcPr marL="47625" marR="47625" marT="0" marB="0" anchor="ctr"/>
+                </a:tc>
+                <a:tc>
+                  <a:txBody>
+                    <a:bodyPr/>
+                    <a:lstStyle/>
+                    <a:p>
+                      <a:pPr algn="ctr"/>
+                      <a:r>
+                        <a:rPr lang="en-GB" b="0" dirty="0">
+                          <a:solidFill>
+                            <a:schemeClr val="tx1"/>
+                          </a:solidFill>
+                          <a:effectLst/>
+                          <a:latin typeface="Calibri" panose="020F0502020204030204" pitchFamily="34" charset="0"/>
+                        </a:rPr>
+                        <a:t>0.718</a:t>
+                      </a:r>
+                    </a:p>
+                  </a:txBody>
+                  <a:tcPr marL="47625" marR="47625" marT="0" marB="0" anchor="ctr"/>
+                </a:tc>
+                <a:tc>
+                  <a:txBody>
+                    <a:bodyPr/>
+                    <a:lstStyle/>
+                    <a:p>
+                      <a:pPr algn="ctr"/>
+                      <a:r>
+                        <a:rPr lang="en-GB" b="0" dirty="0">
+                          <a:solidFill>
+                            <a:schemeClr val="tx1"/>
+                          </a:solidFill>
+                          <a:effectLst/>
+                          <a:latin typeface="Calibri" panose="020F0502020204030204" pitchFamily="34" charset="0"/>
+                        </a:rPr>
+                        <a:t>0.794</a:t>
+                      </a:r>
+                    </a:p>
+                  </a:txBody>
+                  <a:tcPr marL="47625" marR="47625" marT="0" marB="0" anchor="ctr"/>
+                </a:tc>
+                <a:tc>
+                  <a:txBody>
+                    <a:bodyPr/>
+                    <a:lstStyle/>
+                    <a:p>
+                      <a:pPr algn="ctr"/>
+                      <a:r>
+                        <a:rPr lang="en-GB" b="0" dirty="0">
+                          <a:solidFill>
+                            <a:schemeClr val="tx1"/>
+                          </a:solidFill>
+                          <a:effectLst/>
+                          <a:latin typeface="Calibri" panose="020F0502020204030204" pitchFamily="34" charset="0"/>
+                        </a:rPr>
+                        <a:t>0.834</a:t>
+                      </a:r>
+                    </a:p>
+                  </a:txBody>
+                  <a:tcPr marL="47625" marR="47625" marT="0" marB="0" anchor="ctr"/>
+                </a:tc>
+                <a:tc>
+                  <a:txBody>
+                    <a:bodyPr/>
+                    <a:lstStyle/>
+                    <a:p>
+                      <a:pPr algn="ctr"/>
+                      <a:r>
+                        <a:rPr lang="en-GB" b="0" dirty="0">
+                          <a:solidFill>
+                            <a:schemeClr val="tx1"/>
+                          </a:solidFill>
+                          <a:effectLst/>
+                          <a:latin typeface="Calibri" panose="020F0502020204030204" pitchFamily="34" charset="0"/>
+                        </a:rPr>
+                        <a:t>0.838</a:t>
+                      </a:r>
+                    </a:p>
+                  </a:txBody>
+                  <a:tcPr marL="47625" marR="47625" marT="0" marB="0" anchor="ctr"/>
+                </a:tc>
+                <a:tc>
+                  <a:txBody>
+                    <a:bodyPr/>
+                    <a:lstStyle/>
+                    <a:p>
+                      <a:pPr algn="ctr"/>
+                      <a:r>
+                        <a:rPr lang="en-GB" b="0" dirty="0">
+                          <a:solidFill>
+                            <a:schemeClr val="tx1"/>
+                          </a:solidFill>
+                          <a:effectLst/>
+                          <a:latin typeface="Calibri" panose="020F0502020204030204" pitchFamily="34" charset="0"/>
+                        </a:rPr>
+                        <a:t>0.842</a:t>
+                      </a:r>
+                    </a:p>
+                  </a:txBody>
+                  <a:tcPr marL="47625" marR="47625" marT="0" marB="0" anchor="ctr"/>
+                </a:tc>
+                <a:tc>
+                  <a:txBody>
+                    <a:bodyPr/>
+                    <a:lstStyle/>
+                    <a:p>
+                      <a:pPr algn="ctr"/>
+                      <a:r>
+                        <a:rPr lang="en-GB" b="0" dirty="0">
+                          <a:solidFill>
+                            <a:schemeClr val="tx1"/>
+                          </a:solidFill>
+                          <a:effectLst/>
+                          <a:latin typeface="Calibri" panose="020F0502020204030204" pitchFamily="34" charset="0"/>
+                        </a:rPr>
+                        <a:t>0.842</a:t>
+                      </a:r>
+                    </a:p>
+                  </a:txBody>
+                  <a:tcPr marL="47625" marR="47625" marT="0" marB="0" anchor="ctr"/>
+                </a:tc>
+                <a:tc>
+                  <a:txBody>
+                    <a:bodyPr/>
+                    <a:lstStyle/>
+                    <a:p>
+                      <a:pPr algn="ctr"/>
+                      <a:r>
+                        <a:rPr lang="en-GB" b="0" dirty="0">
+                          <a:solidFill>
+                            <a:schemeClr val="tx1"/>
+                          </a:solidFill>
+                          <a:effectLst/>
+                          <a:latin typeface="Calibri" panose="020F0502020204030204" pitchFamily="34" charset="0"/>
+                        </a:rPr>
+                        <a:t>0.842</a:t>
+                      </a:r>
+                    </a:p>
+                  </a:txBody>
+                  <a:tcPr marL="47625" marR="47625" marT="0" marB="0" anchor="ctr"/>
+                </a:tc>
+                <a:tc>
+                  <a:txBody>
+                    <a:bodyPr/>
+                    <a:lstStyle/>
+                    <a:p>
+                      <a:pPr algn="ctr"/>
+                      <a:r>
+                        <a:rPr lang="en-US" b="0" dirty="0">
+                          <a:solidFill>
+                            <a:schemeClr val="tx1"/>
+                          </a:solidFill>
+                        </a:rPr>
+                        <a:t>0.0548</a:t>
+                      </a:r>
+                    </a:p>
+                  </a:txBody>
+                  <a:tcPr anchor="ctr"/>
+                </a:tc>
+                <a:extLst>
+                  <a:ext uri="{0D108BD9-81ED-4DB2-BD59-A6C34878D82A}">
+                    <a16:rowId xmlns:a16="http://schemas.microsoft.com/office/drawing/2014/main" val="3539518608"/>
+                  </a:ext>
+                </a:extLst>
+              </a:tr>
+              <a:tr h="370840">
+                <a:tc>
+                  <a:txBody>
+                    <a:bodyPr/>
+                    <a:lstStyle/>
+                    <a:p>
+                      <a:pPr algn="ctr"/>
+                      <a:r>
+                        <a:rPr lang="en-US" dirty="0"/>
+                        <a:t>20%</a:t>
+                      </a:r>
+                    </a:p>
+                  </a:txBody>
+                  <a:tcPr/>
+                </a:tc>
+                <a:tc>
+                  <a:txBody>
+                    <a:bodyPr/>
+                    <a:lstStyle/>
+                    <a:p>
+                      <a:pPr algn="ctr"/>
+                      <a:r>
+                        <a:rPr lang="en-US" dirty="0"/>
+                        <a:t>0.466</a:t>
+                      </a:r>
+                    </a:p>
+                  </a:txBody>
+                  <a:tcPr/>
+                </a:tc>
+                <a:tc>
+                  <a:txBody>
+                    <a:bodyPr/>
+                    <a:lstStyle/>
+                    <a:p>
+                      <a:pPr algn="ctr"/>
+                      <a:r>
+                        <a:rPr lang="en-US" dirty="0"/>
+                        <a:t>0.728</a:t>
+                      </a:r>
+                    </a:p>
+                  </a:txBody>
+                  <a:tcPr/>
+                </a:tc>
+                <a:tc>
+                  <a:txBody>
+                    <a:bodyPr/>
+                    <a:lstStyle/>
+                    <a:p>
+                      <a:pPr algn="ctr"/>
+                      <a:r>
+                        <a:rPr lang="en-US" dirty="0"/>
+                        <a:t>0.814</a:t>
+                      </a:r>
+                    </a:p>
+                  </a:txBody>
+                  <a:tcPr/>
+                </a:tc>
+                <a:tc>
+                  <a:txBody>
+                    <a:bodyPr/>
+                    <a:lstStyle/>
+                    <a:p>
+                      <a:pPr algn="ctr"/>
+                      <a:r>
+                        <a:rPr lang="en-US" dirty="0"/>
+                        <a:t>0.86</a:t>
+                      </a:r>
+                    </a:p>
+                  </a:txBody>
+                  <a:tcPr/>
+                </a:tc>
+                <a:tc>
+                  <a:txBody>
+                    <a:bodyPr/>
+                    <a:lstStyle/>
+                    <a:p>
+                      <a:pPr algn="ctr"/>
+                      <a:r>
+                        <a:rPr lang="en-US" dirty="0"/>
+                        <a:t>0.866</a:t>
+                      </a:r>
+                    </a:p>
+                  </a:txBody>
+                  <a:tcPr/>
+                </a:tc>
+                <a:tc>
+                  <a:txBody>
+                    <a:bodyPr/>
+                    <a:lstStyle/>
+                    <a:p>
+                      <a:pPr algn="ctr"/>
+                      <a:r>
+                        <a:rPr lang="en-US" dirty="0"/>
+                        <a:t>0.87</a:t>
+                      </a:r>
+                    </a:p>
+                  </a:txBody>
+                  <a:tcPr/>
+                </a:tc>
+                <a:tc>
+                  <a:txBody>
+                    <a:bodyPr/>
+                    <a:lstStyle/>
+                    <a:p>
+                      <a:pPr algn="ctr"/>
+                      <a:r>
+                        <a:rPr lang="en-US" dirty="0"/>
+                        <a:t>0.868</a:t>
+                      </a:r>
+                    </a:p>
+                  </a:txBody>
+                  <a:tcPr/>
+                </a:tc>
+                <a:tc>
+                  <a:txBody>
+                    <a:bodyPr/>
+                    <a:lstStyle/>
+                    <a:p>
+                      <a:pPr algn="ctr"/>
+                      <a:r>
+                        <a:rPr lang="en-US" dirty="0"/>
+                        <a:t>0.868</a:t>
+                      </a:r>
+                    </a:p>
+                  </a:txBody>
+                  <a:tcPr/>
+                </a:tc>
+                <a:tc>
+                  <a:txBody>
+                    <a:bodyPr/>
+                    <a:lstStyle/>
+                    <a:p>
+                      <a:pPr algn="ctr"/>
+                      <a:r>
+                        <a:rPr lang="en-US" dirty="0"/>
+                        <a:t>0.0576</a:t>
+                      </a:r>
+                    </a:p>
+                  </a:txBody>
+                  <a:tcPr/>
+                </a:tc>
+                <a:extLst>
+                  <a:ext uri="{0D108BD9-81ED-4DB2-BD59-A6C34878D82A}">
+                    <a16:rowId xmlns:a16="http://schemas.microsoft.com/office/drawing/2014/main" val="2023163157"/>
+                  </a:ext>
+                </a:extLst>
+              </a:tr>
+              <a:tr h="370840">
+                <a:tc>
+                  <a:txBody>
+                    <a:bodyPr/>
+                    <a:lstStyle/>
+                    <a:p>
+                      <a:pPr algn="ctr"/>
+                      <a:r>
+                        <a:rPr lang="en-US" dirty="0"/>
+                        <a:t>30%</a:t>
+                      </a:r>
+                    </a:p>
+                  </a:txBody>
+                  <a:tcPr/>
+                </a:tc>
+                <a:tc>
+                  <a:txBody>
+                    <a:bodyPr/>
+                    <a:lstStyle/>
+                    <a:p>
+                      <a:pPr algn="ctr"/>
+                      <a:r>
+                        <a:rPr lang="en-US" dirty="0"/>
+                        <a:t>0.4640</a:t>
+                      </a:r>
+                    </a:p>
+                  </a:txBody>
+                  <a:tcPr/>
+                </a:tc>
+                <a:tc>
+                  <a:txBody>
+                    <a:bodyPr/>
+                    <a:lstStyle/>
+                    <a:p>
+                      <a:pPr algn="ctr"/>
+                      <a:r>
+                        <a:rPr lang="en-US" dirty="0"/>
+                        <a:t>0.75</a:t>
+                      </a:r>
+                    </a:p>
+                  </a:txBody>
+                  <a:tcPr/>
+                </a:tc>
+                <a:tc>
+                  <a:txBody>
+                    <a:bodyPr/>
+                    <a:lstStyle/>
+                    <a:p>
+                      <a:pPr algn="ctr"/>
+                      <a:r>
+                        <a:rPr lang="en-US" dirty="0"/>
+                        <a:t>0.85</a:t>
+                      </a:r>
+                    </a:p>
+                  </a:txBody>
+                  <a:tcPr/>
+                </a:tc>
+                <a:tc>
+                  <a:txBody>
+                    <a:bodyPr/>
+                    <a:lstStyle/>
+                    <a:p>
+                      <a:pPr algn="ctr"/>
+                      <a:r>
+                        <a:rPr lang="en-US" dirty="0"/>
+                        <a:t>0.898</a:t>
+                      </a:r>
+                    </a:p>
+                  </a:txBody>
+                  <a:tcPr/>
+                </a:tc>
+                <a:tc>
+                  <a:txBody>
+                    <a:bodyPr/>
+                    <a:lstStyle/>
+                    <a:p>
+                      <a:pPr algn="ctr"/>
+                      <a:r>
+                        <a:rPr lang="en-US" dirty="0"/>
+                        <a:t>0.9</a:t>
+                      </a:r>
+                    </a:p>
+                  </a:txBody>
+                  <a:tcPr/>
+                </a:tc>
+                <a:tc>
+                  <a:txBody>
+                    <a:bodyPr/>
+                    <a:lstStyle/>
+                    <a:p>
+                      <a:pPr algn="ctr"/>
+                      <a:r>
+                        <a:rPr lang="en-US" dirty="0"/>
+                        <a:t>0.906</a:t>
+                      </a:r>
+                    </a:p>
+                  </a:txBody>
+                  <a:tcPr/>
+                </a:tc>
+                <a:tc>
+                  <a:txBody>
+                    <a:bodyPr/>
+                    <a:lstStyle/>
+                    <a:p>
+                      <a:pPr algn="ctr"/>
+                      <a:r>
+                        <a:rPr lang="en-US" dirty="0"/>
+                        <a:t>0.904</a:t>
+                      </a:r>
+                    </a:p>
+                  </a:txBody>
+                  <a:tcPr/>
+                </a:tc>
+                <a:tc>
+                  <a:txBody>
+                    <a:bodyPr/>
+                    <a:lstStyle/>
+                    <a:p>
+                      <a:pPr algn="ctr"/>
+                      <a:r>
+                        <a:rPr lang="en-US" dirty="0"/>
+                        <a:t>0.904</a:t>
+                      </a:r>
+                    </a:p>
+                  </a:txBody>
+                  <a:tcPr/>
+                </a:tc>
+                <a:tc>
+                  <a:txBody>
+                    <a:bodyPr/>
+                    <a:lstStyle/>
+                    <a:p>
+                      <a:pPr algn="ctr"/>
+                      <a:r>
+                        <a:rPr lang="en-US" dirty="0"/>
+                        <a:t>0.0661</a:t>
+                      </a:r>
+                    </a:p>
+                  </a:txBody>
+                  <a:tcPr/>
+                </a:tc>
+                <a:extLst>
+                  <a:ext uri="{0D108BD9-81ED-4DB2-BD59-A6C34878D82A}">
+                    <a16:rowId xmlns:a16="http://schemas.microsoft.com/office/drawing/2014/main" val="2615172562"/>
+                  </a:ext>
+                </a:extLst>
+              </a:tr>
+              <a:tr h="370840">
+                <a:tc>
+                  <a:txBody>
+                    <a:bodyPr/>
+                    <a:lstStyle/>
+                    <a:p>
+                      <a:pPr algn="ctr"/>
+                      <a:r>
+                        <a:rPr lang="en-US" dirty="0"/>
+                        <a:t>40%</a:t>
+                      </a:r>
+                    </a:p>
+                  </a:txBody>
+                  <a:tcPr/>
+                </a:tc>
+                <a:tc>
+                  <a:txBody>
+                    <a:bodyPr/>
+                    <a:lstStyle/>
+                    <a:p>
+                      <a:pPr algn="ctr"/>
+                      <a:r>
+                        <a:rPr lang="en-US" dirty="0"/>
+                        <a:t>0.464</a:t>
+                      </a:r>
+                    </a:p>
+                  </a:txBody>
+                  <a:tcPr/>
+                </a:tc>
+                <a:tc>
+                  <a:txBody>
+                    <a:bodyPr/>
+                    <a:lstStyle/>
+                    <a:p>
+                      <a:pPr algn="ctr"/>
+                      <a:r>
+                        <a:rPr lang="en-US" dirty="0"/>
+                        <a:t>0.762</a:t>
+                      </a:r>
+                    </a:p>
+                  </a:txBody>
+                  <a:tcPr/>
+                </a:tc>
+                <a:tc>
+                  <a:txBody>
+                    <a:bodyPr/>
+                    <a:lstStyle/>
+                    <a:p>
+                      <a:pPr algn="ctr"/>
+                      <a:r>
+                        <a:rPr lang="en-US" dirty="0"/>
+                        <a:t>0.882</a:t>
+                      </a:r>
+                    </a:p>
+                  </a:txBody>
+                  <a:tcPr/>
+                </a:tc>
+                <a:tc>
+                  <a:txBody>
+                    <a:bodyPr/>
+                    <a:lstStyle/>
+                    <a:p>
+                      <a:pPr algn="ctr"/>
+                      <a:r>
+                        <a:rPr lang="en-US" dirty="0"/>
+                        <a:t>0.93</a:t>
+                      </a:r>
+                    </a:p>
+                  </a:txBody>
+                  <a:tcPr/>
+                </a:tc>
+                <a:tc>
+                  <a:txBody>
+                    <a:bodyPr/>
+                    <a:lstStyle/>
+                    <a:p>
+                      <a:pPr algn="ctr"/>
+                      <a:r>
+                        <a:rPr lang="en-US" dirty="0"/>
+                        <a:t>0.938</a:t>
+                      </a:r>
+                    </a:p>
+                  </a:txBody>
+                  <a:tcPr/>
+                </a:tc>
+                <a:tc>
+                  <a:txBody>
+                    <a:bodyPr/>
+                    <a:lstStyle/>
+                    <a:p>
+                      <a:pPr algn="ctr"/>
+                      <a:r>
+                        <a:rPr lang="en-US" dirty="0"/>
+                        <a:t>0.946</a:t>
+                      </a:r>
+                    </a:p>
+                  </a:txBody>
+                  <a:tcPr/>
+                </a:tc>
+                <a:tc>
+                  <a:txBody>
+                    <a:bodyPr/>
+                    <a:lstStyle/>
+                    <a:p>
+                      <a:pPr algn="ctr"/>
+                      <a:r>
+                        <a:rPr lang="en-US" dirty="0"/>
+                        <a:t>0.944</a:t>
+                      </a:r>
+                    </a:p>
+                  </a:txBody>
+                  <a:tcPr/>
+                </a:tc>
+                <a:tc>
+                  <a:txBody>
+                    <a:bodyPr/>
+                    <a:lstStyle/>
+                    <a:p>
+                      <a:pPr algn="ctr"/>
+                      <a:r>
+                        <a:rPr lang="en-US" dirty="0"/>
+                        <a:t>0.942</a:t>
+                      </a:r>
+                    </a:p>
+                  </a:txBody>
+                  <a:tcPr/>
+                </a:tc>
+                <a:tc>
+                  <a:txBody>
+                    <a:bodyPr/>
+                    <a:lstStyle/>
+                    <a:p>
+                      <a:pPr algn="ctr"/>
+                      <a:r>
+                        <a:rPr lang="en-US" dirty="0"/>
+                        <a:t>0.0706</a:t>
+                      </a:r>
+                    </a:p>
+                  </a:txBody>
+                  <a:tcPr/>
+                </a:tc>
+                <a:extLst>
+                  <a:ext uri="{0D108BD9-81ED-4DB2-BD59-A6C34878D82A}">
+                    <a16:rowId xmlns:a16="http://schemas.microsoft.com/office/drawing/2014/main" val="3214048242"/>
+                  </a:ext>
+                </a:extLst>
+              </a:tr>
+              <a:tr h="370840">
+                <a:tc>
+                  <a:txBody>
+                    <a:bodyPr/>
+                    <a:lstStyle/>
+                    <a:p>
+                      <a:pPr algn="ctr"/>
+                      <a:r>
+                        <a:rPr lang="en-US" dirty="0"/>
+                        <a:t>50%</a:t>
+                      </a:r>
+                    </a:p>
+                  </a:txBody>
+                  <a:tcPr/>
+                </a:tc>
+                <a:tc>
+                  <a:txBody>
+                    <a:bodyPr/>
+                    <a:lstStyle/>
+                    <a:p>
+                      <a:pPr algn="ctr"/>
+                      <a:r>
+                        <a:rPr lang="en-US" dirty="0"/>
+                        <a:t>0.464</a:t>
+                      </a:r>
+                    </a:p>
+                  </a:txBody>
+                  <a:tcPr/>
+                </a:tc>
+                <a:tc>
+                  <a:txBody>
+                    <a:bodyPr/>
+                    <a:lstStyle/>
+                    <a:p>
+                      <a:pPr algn="ctr"/>
+                      <a:r>
+                        <a:rPr lang="en-US" dirty="0"/>
+                        <a:t>0.76</a:t>
+                      </a:r>
+                    </a:p>
+                  </a:txBody>
+                  <a:tcPr/>
+                </a:tc>
+                <a:tc>
+                  <a:txBody>
+                    <a:bodyPr/>
+                    <a:lstStyle/>
+                    <a:p>
+                      <a:pPr algn="ctr"/>
+                      <a:r>
+                        <a:rPr lang="en-US" dirty="0"/>
+                        <a:t>0.888</a:t>
+                      </a:r>
+                    </a:p>
+                  </a:txBody>
+                  <a:tcPr/>
+                </a:tc>
+                <a:tc>
+                  <a:txBody>
+                    <a:bodyPr/>
+                    <a:lstStyle/>
+                    <a:p>
+                      <a:pPr algn="ctr"/>
+                      <a:r>
+                        <a:rPr lang="en-US" dirty="0"/>
+                        <a:t>0.936</a:t>
+                      </a:r>
+                    </a:p>
+                  </a:txBody>
+                  <a:tcPr/>
+                </a:tc>
+                <a:tc>
+                  <a:txBody>
+                    <a:bodyPr/>
+                    <a:lstStyle/>
+                    <a:p>
+                      <a:pPr algn="ctr"/>
+                      <a:r>
+                        <a:rPr lang="en-US" dirty="0"/>
+                        <a:t>0.95</a:t>
+                      </a:r>
+                    </a:p>
+                  </a:txBody>
+                  <a:tcPr/>
+                </a:tc>
+                <a:tc>
+                  <a:txBody>
+                    <a:bodyPr/>
+                    <a:lstStyle/>
+                    <a:p>
+                      <a:pPr algn="ctr"/>
+                      <a:r>
+                        <a:rPr lang="en-US" dirty="0"/>
+                        <a:t>0.962</a:t>
+                      </a:r>
+                    </a:p>
+                  </a:txBody>
+                  <a:tcPr/>
+                </a:tc>
+                <a:tc>
+                  <a:txBody>
+                    <a:bodyPr/>
+                    <a:lstStyle/>
+                    <a:p>
+                      <a:pPr algn="ctr"/>
+                      <a:r>
+                        <a:rPr lang="en-US" dirty="0"/>
+                        <a:t>0.962</a:t>
+                      </a:r>
+                    </a:p>
+                  </a:txBody>
+                  <a:tcPr/>
+                </a:tc>
+                <a:tc>
+                  <a:txBody>
+                    <a:bodyPr/>
+                    <a:lstStyle/>
+                    <a:p>
+                      <a:pPr algn="ctr"/>
+                      <a:r>
+                        <a:rPr lang="en-US" dirty="0"/>
+                        <a:t>0.96</a:t>
+                      </a:r>
+                    </a:p>
+                  </a:txBody>
+                  <a:tcPr/>
+                </a:tc>
+                <a:tc>
+                  <a:txBody>
+                    <a:bodyPr/>
+                    <a:lstStyle/>
+                    <a:p>
+                      <a:pPr algn="ctr"/>
+                      <a:r>
+                        <a:rPr lang="en-US" dirty="0"/>
+                        <a:t>0.0704</a:t>
+                      </a:r>
+                    </a:p>
+                  </a:txBody>
+                  <a:tcPr/>
+                </a:tc>
+                <a:extLst>
+                  <a:ext uri="{0D108BD9-81ED-4DB2-BD59-A6C34878D82A}">
+                    <a16:rowId xmlns:a16="http://schemas.microsoft.com/office/drawing/2014/main" val="348713610"/>
+                  </a:ext>
+                </a:extLst>
+              </a:tr>
+            </a:tbl>
+          </a:graphicData>
+        </a:graphic>
+      </p:graphicFrame>
+    </p:spTree>
+    <p:extLst>
+      <p:ext uri="{BB962C8B-B14F-4D97-AF65-F5344CB8AC3E}">
+        <p14:creationId xmlns:p14="http://schemas.microsoft.com/office/powerpoint/2010/main" val="3969195403"/>
+      </p:ext>
+    </p:extLst>
+  </p:cSld>
+  <p:clrMapOvr>
+    <a:masterClrMapping/>
+  </p:clrMapOvr>
+</p:sld>
+</file>
+
+<file path=ppt/slides/slide7.xml><?xml version="1.0" encoding="utf-8"?>
+<p:sld xmlns:a="http://schemas.openxmlformats.org/drawingml/2006/main" xmlns:r="http://schemas.openxmlformats.org/officeDocument/2006/relationships" xmlns:p="http://schemas.openxmlformats.org/presentationml/2006/main">
+  <p:cSld>
+    <p:spTree>
+      <p:nvGrpSpPr>
+        <p:cNvPr id="1" name=""/>
+        <p:cNvGrpSpPr/>
+        <p:nvPr/>
+      </p:nvGrpSpPr>
+      <p:grpSpPr>
+        <a:xfrm>
+          <a:off x="0" y="0"/>
+          <a:ext cx="0" cy="0"/>
+          <a:chOff x="0" y="0"/>
+          <a:chExt cx="0" cy="0"/>
+        </a:xfrm>
+      </p:grpSpPr>
+      <p:sp>
+        <p:nvSpPr>
+          <p:cNvPr id="2" name="Title 1">
+            <a:extLst>
+              <a:ext uri="{FF2B5EF4-FFF2-40B4-BE49-F238E27FC236}">
+                <a16:creationId xmlns:a16="http://schemas.microsoft.com/office/drawing/2014/main" id="{38C20714-1F1C-0347-B743-82DD2BD15149}"/>
+              </a:ext>
+            </a:extLst>
+          </p:cNvPr>
+          <p:cNvSpPr>
+            <a:spLocks noGrp="1"/>
+          </p:cNvSpPr>
+          <p:nvPr>
+            <p:ph type="title"/>
+          </p:nvPr>
+        </p:nvSpPr>
+        <p:spPr/>
+        <p:txBody>
+          <a:bodyPr/>
+          <a:lstStyle/>
+          <a:p>
+            <a:pPr algn="ctr"/>
+            <a:r>
+              <a:rPr lang="en-US" dirty="0"/>
+              <a:t>Thresholding (Union Square, test route 40)</a:t>
+            </a:r>
+          </a:p>
+        </p:txBody>
+      </p:sp>
+      <p:graphicFrame>
+        <p:nvGraphicFramePr>
+          <p:cNvPr id="4" name="Content Placeholder 3">
+            <a:extLst>
+              <a:ext uri="{FF2B5EF4-FFF2-40B4-BE49-F238E27FC236}">
+                <a16:creationId xmlns:a16="http://schemas.microsoft.com/office/drawing/2014/main" id="{BB7CFCCD-216C-BB42-92C1-4666B2FF965E}"/>
+              </a:ext>
+            </a:extLst>
+          </p:cNvPr>
+          <p:cNvGraphicFramePr>
+            <a:graphicFrameLocks noGrp="1"/>
+          </p:cNvGraphicFramePr>
+          <p:nvPr>
+            <p:ph idx="1"/>
+            <p:extLst>
+              <p:ext uri="{D42A27DB-BD31-4B8C-83A1-F6EECF244321}">
+                <p14:modId xmlns:p14="http://schemas.microsoft.com/office/powerpoint/2010/main" val="1744880623"/>
+              </p:ext>
+            </p:extLst>
+          </p:nvPr>
+        </p:nvGraphicFramePr>
+        <p:xfrm>
+          <a:off x="1363980" y="2403972"/>
+          <a:ext cx="9464040" cy="2225040"/>
+        </p:xfrm>
+        <a:graphic>
+          <a:graphicData uri="http://schemas.openxmlformats.org/drawingml/2006/table">
+            <a:tbl>
+              <a:tblPr firstRow="1" bandRow="1">
+                <a:tableStyleId>{5C22544A-7EE6-4342-B048-85BDC9FD1C3A}</a:tableStyleId>
+              </a:tblPr>
+              <a:tblGrid>
+                <a:gridCol w="1051560">
+                  <a:extLst>
+                    <a:ext uri="{9D8B030D-6E8A-4147-A177-3AD203B41FA5}">
+                      <a16:colId xmlns:a16="http://schemas.microsoft.com/office/drawing/2014/main" val="1829989999"/>
+                    </a:ext>
+                  </a:extLst>
+                </a:gridCol>
+                <a:gridCol w="1051560">
+                  <a:extLst>
+                    <a:ext uri="{9D8B030D-6E8A-4147-A177-3AD203B41FA5}">
+                      <a16:colId xmlns:a16="http://schemas.microsoft.com/office/drawing/2014/main" val="3403708609"/>
+                    </a:ext>
+                  </a:extLst>
+                </a:gridCol>
+                <a:gridCol w="1051560">
+                  <a:extLst>
+                    <a:ext uri="{9D8B030D-6E8A-4147-A177-3AD203B41FA5}">
+                      <a16:colId xmlns:a16="http://schemas.microsoft.com/office/drawing/2014/main" val="850431683"/>
+                    </a:ext>
+                  </a:extLst>
+                </a:gridCol>
+                <a:gridCol w="1051560">
+                  <a:extLst>
+                    <a:ext uri="{9D8B030D-6E8A-4147-A177-3AD203B41FA5}">
+                      <a16:colId xmlns:a16="http://schemas.microsoft.com/office/drawing/2014/main" val="154462440"/>
+                    </a:ext>
+                  </a:extLst>
+                </a:gridCol>
+                <a:gridCol w="1051560">
+                  <a:extLst>
+                    <a:ext uri="{9D8B030D-6E8A-4147-A177-3AD203B41FA5}">
+                      <a16:colId xmlns:a16="http://schemas.microsoft.com/office/drawing/2014/main" val="1102429064"/>
+                    </a:ext>
+                  </a:extLst>
+                </a:gridCol>
+                <a:gridCol w="1051560">
+                  <a:extLst>
+                    <a:ext uri="{9D8B030D-6E8A-4147-A177-3AD203B41FA5}">
+                      <a16:colId xmlns:a16="http://schemas.microsoft.com/office/drawing/2014/main" val="271500692"/>
+                    </a:ext>
+                  </a:extLst>
+                </a:gridCol>
+                <a:gridCol w="1051560">
+                  <a:extLst>
+                    <a:ext uri="{9D8B030D-6E8A-4147-A177-3AD203B41FA5}">
+                      <a16:colId xmlns:a16="http://schemas.microsoft.com/office/drawing/2014/main" val="1900875243"/>
+                    </a:ext>
+                  </a:extLst>
+                </a:gridCol>
+                <a:gridCol w="1051560">
+                  <a:extLst>
+                    <a:ext uri="{9D8B030D-6E8A-4147-A177-3AD203B41FA5}">
+                      <a16:colId xmlns:a16="http://schemas.microsoft.com/office/drawing/2014/main" val="2361607834"/>
+                    </a:ext>
+                  </a:extLst>
+                </a:gridCol>
+                <a:gridCol w="1051560">
+                  <a:extLst>
+                    <a:ext uri="{9D8B030D-6E8A-4147-A177-3AD203B41FA5}">
+                      <a16:colId xmlns:a16="http://schemas.microsoft.com/office/drawing/2014/main" val="491029161"/>
+                    </a:ext>
+                  </a:extLst>
+                </a:gridCol>
+              </a:tblGrid>
+              <a:tr h="370840">
+                <a:tc>
+                  <a:txBody>
+                    <a:bodyPr/>
+                    <a:lstStyle/>
+                    <a:p>
+                      <a:pPr algn="ctr"/>
+                      <a:endParaRPr lang="en-US" dirty="0"/>
+                    </a:p>
+                  </a:txBody>
+                  <a:tcPr/>
+                </a:tc>
+                <a:tc>
+                  <a:txBody>
+                    <a:bodyPr/>
+                    <a:lstStyle/>
+                    <a:p>
+                      <a:pPr algn="ctr"/>
+                      <a:r>
+                        <a:rPr lang="en-US" dirty="0"/>
+                        <a:t>5</a:t>
+                      </a:r>
+                    </a:p>
+                  </a:txBody>
+                  <a:tcPr/>
+                </a:tc>
+                <a:tc>
+                  <a:txBody>
+                    <a:bodyPr/>
+                    <a:lstStyle/>
+                    <a:p>
+                      <a:pPr algn="ctr"/>
+                      <a:r>
+                        <a:rPr lang="en-US" dirty="0"/>
+                        <a:t>10</a:t>
+                      </a:r>
+                    </a:p>
+                  </a:txBody>
+                  <a:tcPr/>
+                </a:tc>
+                <a:tc>
+                  <a:txBody>
+                    <a:bodyPr/>
+                    <a:lstStyle/>
+                    <a:p>
+                      <a:pPr algn="ctr"/>
+                      <a:r>
+                        <a:rPr lang="en-US" dirty="0"/>
+                        <a:t>15</a:t>
+                      </a:r>
+                    </a:p>
+                  </a:txBody>
+                  <a:tcPr/>
+                </a:tc>
+                <a:tc>
+                  <a:txBody>
+                    <a:bodyPr/>
+                    <a:lstStyle/>
+                    <a:p>
+                      <a:pPr algn="ctr"/>
+                      <a:r>
+                        <a:rPr lang="en-US" dirty="0"/>
+                        <a:t>20</a:t>
+                      </a:r>
+                    </a:p>
+                  </a:txBody>
+                  <a:tcPr/>
+                </a:tc>
+                <a:tc>
+                  <a:txBody>
+                    <a:bodyPr/>
+                    <a:lstStyle/>
+                    <a:p>
+                      <a:pPr algn="ctr"/>
+                      <a:r>
+                        <a:rPr lang="en-US" dirty="0"/>
+                        <a:t>25</a:t>
+                      </a:r>
+                    </a:p>
+                  </a:txBody>
+                  <a:tcPr/>
+                </a:tc>
+                <a:tc>
+                  <a:txBody>
+                    <a:bodyPr/>
+                    <a:lstStyle/>
+                    <a:p>
+                      <a:pPr algn="ctr"/>
+                      <a:r>
+                        <a:rPr lang="en-US" dirty="0"/>
+                        <a:t>30</a:t>
+                      </a:r>
+                    </a:p>
+                  </a:txBody>
+                  <a:tcPr/>
+                </a:tc>
+                <a:tc>
+                  <a:txBody>
+                    <a:bodyPr/>
+                    <a:lstStyle/>
+                    <a:p>
+                      <a:pPr algn="ctr"/>
+                      <a:r>
+                        <a:rPr lang="en-US" dirty="0"/>
+                        <a:t>35</a:t>
+                      </a:r>
+                    </a:p>
+                  </a:txBody>
+                  <a:tcPr/>
+                </a:tc>
+                <a:tc>
+                  <a:txBody>
+                    <a:bodyPr/>
+                    <a:lstStyle/>
+                    <a:p>
+                      <a:pPr algn="ctr"/>
+                      <a:r>
+                        <a:rPr lang="en-US" dirty="0"/>
+                        <a:t>40</a:t>
+                      </a:r>
+                    </a:p>
+                  </a:txBody>
+                  <a:tcPr/>
+                </a:tc>
+                <a:extLst>
+                  <a:ext uri="{0D108BD9-81ED-4DB2-BD59-A6C34878D82A}">
+                    <a16:rowId xmlns:a16="http://schemas.microsoft.com/office/drawing/2014/main" val="58970050"/>
+                  </a:ext>
+                </a:extLst>
+              </a:tr>
+              <a:tr h="370840">
+                <a:tc>
+                  <a:txBody>
+                    <a:bodyPr/>
+                    <a:lstStyle/>
+                    <a:p>
+                      <a:pPr algn="ctr"/>
+                      <a:r>
+                        <a:rPr lang="en-US" dirty="0"/>
+                        <a:t>10%</a:t>
+                      </a:r>
+                    </a:p>
+                  </a:txBody>
+                  <a:tcPr/>
+                </a:tc>
+                <a:tc>
+                  <a:txBody>
+                    <a:bodyPr/>
+                    <a:lstStyle/>
+                    <a:p>
+                      <a:pPr algn="ctr"/>
+                      <a:r>
+                        <a:rPr lang="en-GB" b="0" dirty="0">
+                          <a:solidFill>
+                            <a:schemeClr val="tx1"/>
+                          </a:solidFill>
+                          <a:effectLst/>
+                          <a:latin typeface="Calibri" panose="020F0502020204030204" pitchFamily="34" charset="0"/>
+                        </a:rPr>
+                        <a:t>47</a:t>
+                      </a:r>
+                    </a:p>
+                  </a:txBody>
+                  <a:tcPr marL="47625" marR="47625" marT="0" marB="0" anchor="ctr"/>
+                </a:tc>
+                <a:tc>
+                  <a:txBody>
+                    <a:bodyPr/>
+                    <a:lstStyle/>
+                    <a:p>
+                      <a:pPr algn="ctr"/>
+                      <a:r>
+                        <a:rPr lang="en-GB" b="0" dirty="0">
+                          <a:solidFill>
+                            <a:schemeClr val="tx1"/>
+                          </a:solidFill>
+                          <a:effectLst/>
+                          <a:latin typeface="Calibri" panose="020F0502020204030204" pitchFamily="34" charset="0"/>
+                        </a:rPr>
+                        <a:t>70</a:t>
+                      </a:r>
+                    </a:p>
+                  </a:txBody>
+                  <a:tcPr marL="47625" marR="47625" marT="0" marB="0" anchor="ctr"/>
+                </a:tc>
+                <a:tc>
+                  <a:txBody>
+                    <a:bodyPr/>
+                    <a:lstStyle/>
+                    <a:p>
+                      <a:pPr algn="ctr"/>
+                      <a:r>
+                        <a:rPr lang="en-GB" b="0" dirty="0">
+                          <a:solidFill>
+                            <a:schemeClr val="tx1"/>
+                          </a:solidFill>
+                          <a:effectLst/>
+                          <a:latin typeface="Calibri" panose="020F0502020204030204" pitchFamily="34" charset="0"/>
+                        </a:rPr>
+                        <a:t>82</a:t>
+                      </a:r>
+                    </a:p>
+                  </a:txBody>
+                  <a:tcPr marL="47625" marR="47625" marT="0" marB="0" anchor="ctr"/>
+                </a:tc>
+                <a:tc>
+                  <a:txBody>
+                    <a:bodyPr/>
+                    <a:lstStyle/>
+                    <a:p>
+                      <a:pPr algn="ctr"/>
+                      <a:r>
+                        <a:rPr lang="en-GB" b="0" dirty="0">
+                          <a:solidFill>
+                            <a:schemeClr val="tx1"/>
+                          </a:solidFill>
+                          <a:effectLst/>
+                          <a:latin typeface="Calibri" panose="020F0502020204030204" pitchFamily="34" charset="0"/>
+                        </a:rPr>
+                        <a:t>10</a:t>
+                      </a:r>
+                    </a:p>
+                  </a:txBody>
+                  <a:tcPr marL="47625" marR="47625" marT="0" marB="0" anchor="ctr"/>
+                </a:tc>
+                <a:tc>
+                  <a:txBody>
+                    <a:bodyPr/>
+                    <a:lstStyle/>
+                    <a:p>
+                      <a:pPr algn="ctr"/>
+                      <a:r>
+                        <a:rPr lang="en-GB" b="0" dirty="0">
+                          <a:solidFill>
+                            <a:schemeClr val="tx1"/>
+                          </a:solidFill>
+                          <a:effectLst/>
+                          <a:latin typeface="Calibri" panose="020F0502020204030204" pitchFamily="34" charset="0"/>
+                        </a:rPr>
+                        <a:t>16</a:t>
+                      </a:r>
+                    </a:p>
+                  </a:txBody>
+                  <a:tcPr marL="47625" marR="47625" marT="0" marB="0" anchor="ctr"/>
+                </a:tc>
+                <a:tc>
+                  <a:txBody>
+                    <a:bodyPr/>
+                    <a:lstStyle/>
+                    <a:p>
+                      <a:pPr algn="ctr"/>
+                      <a:r>
+                        <a:rPr lang="en-GB" b="0" dirty="0">
+                          <a:solidFill>
+                            <a:schemeClr val="tx1"/>
+                          </a:solidFill>
+                          <a:effectLst/>
+                          <a:latin typeface="Calibri" panose="020F0502020204030204" pitchFamily="34" charset="0"/>
+                        </a:rPr>
+                        <a:t>21</a:t>
+                      </a:r>
+                    </a:p>
+                  </a:txBody>
+                  <a:tcPr marL="47625" marR="47625" marT="0" marB="0" anchor="ctr"/>
+                </a:tc>
+                <a:tc>
+                  <a:txBody>
+                    <a:bodyPr/>
+                    <a:lstStyle/>
+                    <a:p>
+                      <a:pPr algn="ctr"/>
+                      <a:r>
+                        <a:rPr lang="en-GB" b="0" dirty="0">
+                          <a:solidFill>
+                            <a:schemeClr val="tx1"/>
+                          </a:solidFill>
+                          <a:effectLst/>
+                          <a:latin typeface="Calibri" panose="020F0502020204030204" pitchFamily="34" charset="0"/>
+                        </a:rPr>
+                        <a:t>22</a:t>
+                      </a:r>
+                    </a:p>
+                  </a:txBody>
+                  <a:tcPr marL="47625" marR="47625" marT="0" marB="0" anchor="ctr"/>
+                </a:tc>
+                <a:tc>
+                  <a:txBody>
+                    <a:bodyPr/>
+                    <a:lstStyle/>
+                    <a:p>
+                      <a:pPr algn="ctr"/>
+                      <a:r>
+                        <a:rPr lang="en-GB" b="0">
+                          <a:solidFill>
+                            <a:schemeClr val="tx1"/>
+                          </a:solidFill>
+                          <a:effectLst/>
+                          <a:latin typeface="Calibri" panose="020F0502020204030204" pitchFamily="34" charset="0"/>
+                        </a:rPr>
+                        <a:t>29</a:t>
+                      </a:r>
+                      <a:endParaRPr lang="en-GB" b="0" dirty="0">
+                        <a:solidFill>
+                          <a:schemeClr val="tx1"/>
+                        </a:solidFill>
+                        <a:effectLst/>
+                        <a:latin typeface="Calibri" panose="020F0502020204030204" pitchFamily="34" charset="0"/>
+                      </a:endParaRPr>
+                    </a:p>
+                  </a:txBody>
+                  <a:tcPr marL="47625" marR="47625" marT="0" marB="0" anchor="ctr"/>
+                </a:tc>
+                <a:extLst>
+                  <a:ext uri="{0D108BD9-81ED-4DB2-BD59-A6C34878D82A}">
+                    <a16:rowId xmlns:a16="http://schemas.microsoft.com/office/drawing/2014/main" val="3539518608"/>
+                  </a:ext>
+                </a:extLst>
+              </a:tr>
+              <a:tr h="370840">
+                <a:tc>
+                  <a:txBody>
+                    <a:bodyPr/>
+                    <a:lstStyle/>
+                    <a:p>
+                      <a:pPr algn="ctr"/>
+                      <a:r>
+                        <a:rPr lang="en-US" dirty="0"/>
+                        <a:t>20%</a:t>
+                      </a:r>
+                    </a:p>
+                  </a:txBody>
+                  <a:tcPr/>
+                </a:tc>
+                <a:tc>
+                  <a:txBody>
+                    <a:bodyPr/>
+                    <a:lstStyle/>
+                    <a:p>
+                      <a:pPr algn="ctr"/>
+                      <a:r>
+                        <a:rPr lang="en-US" dirty="0"/>
+                        <a:t>39</a:t>
+                      </a:r>
+                    </a:p>
+                  </a:txBody>
+                  <a:tcPr/>
+                </a:tc>
+                <a:tc>
+                  <a:txBody>
+                    <a:bodyPr/>
+                    <a:lstStyle/>
+                    <a:p>
+                      <a:pPr algn="ctr"/>
+                      <a:r>
+                        <a:rPr lang="en-US" dirty="0"/>
+                        <a:t>44</a:t>
+                      </a:r>
+                    </a:p>
+                  </a:txBody>
+                  <a:tcPr/>
+                </a:tc>
+                <a:tc>
+                  <a:txBody>
+                    <a:bodyPr/>
+                    <a:lstStyle/>
+                    <a:p>
+                      <a:pPr algn="ctr"/>
+                      <a:r>
+                        <a:rPr lang="en-US" dirty="0"/>
+                        <a:t>59</a:t>
+                      </a:r>
+                    </a:p>
+                  </a:txBody>
+                  <a:tcPr/>
+                </a:tc>
+                <a:tc>
+                  <a:txBody>
+                    <a:bodyPr/>
+                    <a:lstStyle/>
+                    <a:p>
+                      <a:pPr algn="ctr"/>
+                      <a:r>
+                        <a:rPr lang="en-US" dirty="0"/>
+                        <a:t>80</a:t>
+                      </a:r>
+                    </a:p>
+                  </a:txBody>
+                  <a:tcPr/>
+                </a:tc>
+                <a:tc>
+                  <a:txBody>
+                    <a:bodyPr/>
+                    <a:lstStyle/>
+                    <a:p>
+                      <a:pPr algn="ctr"/>
+                      <a:r>
+                        <a:rPr lang="en-US" dirty="0"/>
+                        <a:t>93</a:t>
+                      </a:r>
+                    </a:p>
+                  </a:txBody>
+                  <a:tcPr/>
+                </a:tc>
+                <a:tc>
+                  <a:txBody>
+                    <a:bodyPr/>
+                    <a:lstStyle/>
+                    <a:p>
+                      <a:pPr algn="ctr"/>
+                      <a:r>
+                        <a:rPr lang="en-US" dirty="0"/>
+                        <a:t>20</a:t>
+                      </a:r>
+                    </a:p>
+                  </a:txBody>
+                  <a:tcPr/>
+                </a:tc>
+                <a:tc>
+                  <a:txBody>
+                    <a:bodyPr/>
+                    <a:lstStyle/>
+                    <a:p>
+                      <a:pPr algn="ctr"/>
+                      <a:r>
+                        <a:rPr lang="en-US" dirty="0"/>
+                        <a:t>22</a:t>
+                      </a:r>
+                    </a:p>
+                  </a:txBody>
+                  <a:tcPr/>
+                </a:tc>
+                <a:tc>
+                  <a:txBody>
+                    <a:bodyPr/>
+                    <a:lstStyle/>
+                    <a:p>
+                      <a:pPr algn="ctr"/>
+                      <a:r>
+                        <a:rPr lang="en-US" dirty="0"/>
+                        <a:t>27</a:t>
+                      </a:r>
+                    </a:p>
+                  </a:txBody>
+                  <a:tcPr/>
+                </a:tc>
+                <a:extLst>
+                  <a:ext uri="{0D108BD9-81ED-4DB2-BD59-A6C34878D82A}">
+                    <a16:rowId xmlns:a16="http://schemas.microsoft.com/office/drawing/2014/main" val="2023163157"/>
+                  </a:ext>
+                </a:extLst>
+              </a:tr>
+              <a:tr h="370840">
+                <a:tc>
+                  <a:txBody>
+                    <a:bodyPr/>
+                    <a:lstStyle/>
+                    <a:p>
+                      <a:pPr algn="ctr"/>
+                      <a:r>
+                        <a:rPr lang="en-US" dirty="0"/>
+                        <a:t>30%</a:t>
+                      </a:r>
+                    </a:p>
+                  </a:txBody>
+                  <a:tcPr/>
+                </a:tc>
+                <a:tc>
+                  <a:txBody>
+                    <a:bodyPr/>
+                    <a:lstStyle/>
+                    <a:p>
+                      <a:pPr algn="ctr"/>
+                      <a:r>
+                        <a:rPr lang="en-US" dirty="0"/>
+                        <a:t>39</a:t>
+                      </a:r>
+                    </a:p>
+                  </a:txBody>
+                  <a:tcPr/>
+                </a:tc>
+                <a:tc>
+                  <a:txBody>
+                    <a:bodyPr/>
+                    <a:lstStyle/>
+                    <a:p>
+                      <a:pPr algn="ctr"/>
+                      <a:r>
+                        <a:rPr lang="en-US" dirty="0"/>
+                        <a:t>47</a:t>
+                      </a:r>
+                    </a:p>
+                  </a:txBody>
+                  <a:tcPr/>
+                </a:tc>
+                <a:tc>
+                  <a:txBody>
+                    <a:bodyPr/>
+                    <a:lstStyle/>
+                    <a:p>
+                      <a:pPr algn="ctr"/>
+                      <a:r>
+                        <a:rPr lang="en-US" dirty="0"/>
+                        <a:t>57</a:t>
+                      </a:r>
+                    </a:p>
+                  </a:txBody>
+                  <a:tcPr/>
+                </a:tc>
+                <a:tc>
+                  <a:txBody>
+                    <a:bodyPr/>
+                    <a:lstStyle/>
+                    <a:p>
+                      <a:pPr algn="ctr"/>
+                      <a:r>
+                        <a:rPr lang="en-US" dirty="0"/>
+                        <a:t>62</a:t>
+                      </a:r>
+                    </a:p>
+                  </a:txBody>
+                  <a:tcPr/>
+                </a:tc>
+                <a:tc>
+                  <a:txBody>
+                    <a:bodyPr/>
+                    <a:lstStyle/>
+                    <a:p>
+                      <a:pPr algn="ctr"/>
+                      <a:r>
+                        <a:rPr lang="en-US" dirty="0"/>
+                        <a:t>72</a:t>
+                      </a:r>
+                    </a:p>
+                  </a:txBody>
+                  <a:tcPr/>
+                </a:tc>
+                <a:tc>
+                  <a:txBody>
+                    <a:bodyPr/>
+                    <a:lstStyle/>
+                    <a:p>
+                      <a:pPr algn="ctr"/>
+                      <a:r>
+                        <a:rPr lang="en-US" dirty="0"/>
+                        <a:t>76</a:t>
+                      </a:r>
+                    </a:p>
+                  </a:txBody>
+                  <a:tcPr/>
+                </a:tc>
+                <a:tc>
+                  <a:txBody>
+                    <a:bodyPr/>
+                    <a:lstStyle/>
+                    <a:p>
+                      <a:pPr algn="ctr"/>
+                      <a:r>
+                        <a:rPr lang="en-US" dirty="0"/>
+                        <a:t>94</a:t>
+                      </a:r>
+                    </a:p>
+                  </a:txBody>
+                  <a:tcPr/>
+                </a:tc>
+                <a:tc>
+                  <a:txBody>
+                    <a:bodyPr/>
+                    <a:lstStyle/>
+                    <a:p>
+                      <a:pPr algn="ctr"/>
+                      <a:r>
+                        <a:rPr lang="en-US" dirty="0"/>
+                        <a:t>35</a:t>
+                      </a:r>
+                    </a:p>
+                  </a:txBody>
+                  <a:tcPr/>
+                </a:tc>
+                <a:extLst>
+                  <a:ext uri="{0D108BD9-81ED-4DB2-BD59-A6C34878D82A}">
+                    <a16:rowId xmlns:a16="http://schemas.microsoft.com/office/drawing/2014/main" val="2615172562"/>
+                  </a:ext>
+                </a:extLst>
+              </a:tr>
+              <a:tr h="370840">
+                <a:tc>
+                  <a:txBody>
+                    <a:bodyPr/>
+                    <a:lstStyle/>
+                    <a:p>
+                      <a:pPr algn="ctr"/>
+                      <a:r>
+                        <a:rPr lang="en-US" dirty="0"/>
+                        <a:t>40%</a:t>
+                      </a:r>
+                    </a:p>
+                  </a:txBody>
+                  <a:tcPr/>
+                </a:tc>
+                <a:tc>
+                  <a:txBody>
+                    <a:bodyPr/>
+                    <a:lstStyle/>
+                    <a:p>
+                      <a:pPr algn="ctr"/>
+                      <a:r>
+                        <a:rPr lang="en-US" dirty="0"/>
+                        <a:t>49</a:t>
+                      </a:r>
+                    </a:p>
+                  </a:txBody>
+                  <a:tcPr/>
+                </a:tc>
+                <a:tc>
+                  <a:txBody>
+                    <a:bodyPr/>
+                    <a:lstStyle/>
+                    <a:p>
+                      <a:pPr algn="ctr"/>
+                      <a:r>
+                        <a:rPr lang="en-US" dirty="0"/>
+                        <a:t>54</a:t>
+                      </a:r>
+                    </a:p>
+                  </a:txBody>
+                  <a:tcPr/>
+                </a:tc>
+                <a:tc>
+                  <a:txBody>
+                    <a:bodyPr/>
+                    <a:lstStyle/>
+                    <a:p>
+                      <a:pPr algn="ctr"/>
+                      <a:r>
+                        <a:rPr lang="en-US" dirty="0"/>
+                        <a:t>73</a:t>
+                      </a:r>
+                    </a:p>
+                  </a:txBody>
+                  <a:tcPr/>
+                </a:tc>
+                <a:tc>
+                  <a:txBody>
+                    <a:bodyPr/>
+                    <a:lstStyle/>
+                    <a:p>
+                      <a:pPr algn="ctr"/>
+                      <a:r>
+                        <a:rPr lang="en-US" dirty="0"/>
+                        <a:t>84</a:t>
+                      </a:r>
+                    </a:p>
+                  </a:txBody>
+                  <a:tcPr/>
+                </a:tc>
+                <a:tc>
+                  <a:txBody>
+                    <a:bodyPr/>
+                    <a:lstStyle/>
+                    <a:p>
+                      <a:pPr algn="ctr"/>
+                      <a:r>
+                        <a:rPr lang="en-US" dirty="0"/>
+                        <a:t>46</a:t>
+                      </a:r>
+                    </a:p>
+                  </a:txBody>
+                  <a:tcPr/>
+                </a:tc>
+                <a:tc>
+                  <a:txBody>
+                    <a:bodyPr/>
+                    <a:lstStyle/>
+                    <a:p>
+                      <a:pPr algn="ctr"/>
+                      <a:r>
+                        <a:rPr lang="en-US" dirty="0"/>
+                        <a:t>42</a:t>
+                      </a:r>
+                    </a:p>
+                  </a:txBody>
+                  <a:tcPr/>
+                </a:tc>
+                <a:tc>
+                  <a:txBody>
+                    <a:bodyPr/>
+                    <a:lstStyle/>
+                    <a:p>
+                      <a:pPr algn="ctr"/>
+                      <a:r>
+                        <a:rPr lang="en-US" dirty="0"/>
+                        <a:t>51</a:t>
+                      </a:r>
+                    </a:p>
+                  </a:txBody>
+                  <a:tcPr/>
+                </a:tc>
+                <a:tc>
+                  <a:txBody>
+                    <a:bodyPr/>
+                    <a:lstStyle/>
+                    <a:p>
+                      <a:pPr algn="ctr"/>
+                      <a:r>
+                        <a:rPr lang="en-US" dirty="0"/>
+                        <a:t>68</a:t>
+                      </a:r>
+                    </a:p>
+                  </a:txBody>
+                  <a:tcPr/>
+                </a:tc>
+                <a:extLst>
+                  <a:ext uri="{0D108BD9-81ED-4DB2-BD59-A6C34878D82A}">
+                    <a16:rowId xmlns:a16="http://schemas.microsoft.com/office/drawing/2014/main" val="3214048242"/>
+                  </a:ext>
+                </a:extLst>
+              </a:tr>
+              <a:tr h="370840">
+                <a:tc>
+                  <a:txBody>
+                    <a:bodyPr/>
+                    <a:lstStyle/>
+                    <a:p>
+                      <a:pPr algn="ctr"/>
+                      <a:r>
+                        <a:rPr lang="en-US" dirty="0"/>
+                        <a:t>50%</a:t>
+                      </a:r>
+                    </a:p>
+                  </a:txBody>
+                  <a:tcPr/>
+                </a:tc>
+                <a:tc>
+                  <a:txBody>
+                    <a:bodyPr/>
+                    <a:lstStyle/>
+                    <a:p>
+                      <a:pPr algn="ctr"/>
+                      <a:r>
+                        <a:rPr lang="en-US" dirty="0"/>
+                        <a:t>151</a:t>
+                      </a:r>
+                    </a:p>
+                  </a:txBody>
+                  <a:tcPr/>
+                </a:tc>
+                <a:tc>
+                  <a:txBody>
+                    <a:bodyPr/>
+                    <a:lstStyle/>
+                    <a:p>
+                      <a:pPr algn="ctr"/>
+                      <a:r>
+                        <a:rPr lang="en-US" dirty="0"/>
+                        <a:t>56</a:t>
+                      </a:r>
+                    </a:p>
+                  </a:txBody>
+                  <a:tcPr/>
+                </a:tc>
+                <a:tc>
+                  <a:txBody>
+                    <a:bodyPr/>
+                    <a:lstStyle/>
+                    <a:p>
+                      <a:pPr algn="ctr"/>
+                      <a:r>
+                        <a:rPr lang="en-US" dirty="0"/>
+                        <a:t>58</a:t>
+                      </a:r>
+                    </a:p>
+                  </a:txBody>
+                  <a:tcPr/>
+                </a:tc>
+                <a:tc>
+                  <a:txBody>
+                    <a:bodyPr/>
+                    <a:lstStyle/>
+                    <a:p>
+                      <a:pPr algn="ctr"/>
+                      <a:r>
+                        <a:rPr lang="en-US" dirty="0"/>
+                        <a:t>90</a:t>
+                      </a:r>
+                    </a:p>
+                  </a:txBody>
+                  <a:tcPr/>
+                </a:tc>
+                <a:tc>
+                  <a:txBody>
+                    <a:bodyPr/>
+                    <a:lstStyle/>
+                    <a:p>
+                      <a:pPr algn="ctr"/>
+                      <a:r>
+                        <a:rPr lang="en-US" dirty="0"/>
+                        <a:t>53</a:t>
+                      </a:r>
+                    </a:p>
+                  </a:txBody>
+                  <a:tcPr/>
+                </a:tc>
+                <a:tc>
+                  <a:txBody>
+                    <a:bodyPr/>
+                    <a:lstStyle/>
+                    <a:p>
+                      <a:pPr algn="ctr"/>
+                      <a:r>
+                        <a:rPr lang="en-US" dirty="0"/>
+                        <a:t>70</a:t>
+                      </a:r>
+                    </a:p>
+                  </a:txBody>
+                  <a:tcPr/>
+                </a:tc>
+                <a:tc>
+                  <a:txBody>
+                    <a:bodyPr/>
+                    <a:lstStyle/>
+                    <a:p>
+                      <a:pPr algn="ctr"/>
+                      <a:r>
+                        <a:rPr lang="en-US" dirty="0"/>
+                        <a:t>90</a:t>
+                      </a:r>
+                    </a:p>
+                  </a:txBody>
+                  <a:tcPr/>
+                </a:tc>
+                <a:tc>
+                  <a:txBody>
+                    <a:bodyPr/>
+                    <a:lstStyle/>
+                    <a:p>
+                      <a:pPr algn="ctr"/>
+                      <a:r>
+                        <a:rPr lang="en-US" dirty="0"/>
+                        <a:t>57</a:t>
+                      </a:r>
+                    </a:p>
+                  </a:txBody>
+                  <a:tcPr/>
+                </a:tc>
+                <a:extLst>
+                  <a:ext uri="{0D108BD9-81ED-4DB2-BD59-A6C34878D82A}">
+                    <a16:rowId xmlns:a16="http://schemas.microsoft.com/office/drawing/2014/main" val="348713610"/>
+                  </a:ext>
+                </a:extLst>
+              </a:tr>
+            </a:tbl>
+          </a:graphicData>
+        </a:graphic>
+      </p:graphicFrame>
+    </p:spTree>
+    <p:extLst>
+      <p:ext uri="{BB962C8B-B14F-4D97-AF65-F5344CB8AC3E}">
+        <p14:creationId xmlns:p14="http://schemas.microsoft.com/office/powerpoint/2010/main" val="1224794522"/>
       </p:ext>
     </p:extLst>
   </p:cSld>
